--- a/Reports/Conceptual Design.pptx
+++ b/Reports/Conceptual Design.pptx
@@ -6,12 +6,13 @@
   </p:sldMasterIdLst>
   <p:sldIdLst>
     <p:sldId id="256" r:id="rId2"/>
-    <p:sldId id="257" r:id="rId3"/>
-    <p:sldId id="258" r:id="rId4"/>
-    <p:sldId id="259" r:id="rId5"/>
-    <p:sldId id="260" r:id="rId6"/>
-    <p:sldId id="261" r:id="rId7"/>
-    <p:sldId id="262" r:id="rId8"/>
+    <p:sldId id="263" r:id="rId3"/>
+    <p:sldId id="257" r:id="rId4"/>
+    <p:sldId id="258" r:id="rId5"/>
+    <p:sldId id="259" r:id="rId6"/>
+    <p:sldId id="260" r:id="rId7"/>
+    <p:sldId id="261" r:id="rId8"/>
+    <p:sldId id="262" r:id="rId9"/>
   </p:sldIdLst>
   <p:sldSz cx="12192000" cy="6858000"/>
   <p:notesSz cx="6858000" cy="9144000"/>
@@ -110,6 +111,11 @@
       </a:defRPr>
     </a:lvl9pPr>
   </p:defaultTextStyle>
+  <p:extLst>
+    <p:ext uri="{EFAFB233-063F-42B5-8137-9DF3F51BA10A}">
+      <p15:sldGuideLst xmlns:p15="http://schemas.microsoft.com/office/powerpoint/2012/main"/>
+    </p:ext>
+  </p:extLst>
 </p:presentation>
 </file>
 
@@ -5736,63 +5742,46 @@
           <a:chExt cx="0" cy="0"/>
         </a:xfrm>
       </p:grpSpPr>
-      <p:sp>
-        <p:nvSpPr>
-          <p:cNvPr id="2" name="Title 1">
+      <p:pic>
+        <p:nvPicPr>
+          <p:cNvPr id="5" name="Picture 4">
             <a:extLst>
               <a:ext uri="{FF2B5EF4-FFF2-40B4-BE49-F238E27FC236}">
-                <a16:creationId xmlns:a16="http://schemas.microsoft.com/office/drawing/2014/main" id="{E278DC42-4966-5A20-922C-B2E22A6112EF}"/>
+                <a16:creationId xmlns:a16="http://schemas.microsoft.com/office/drawing/2014/main" id="{913FA331-D20A-254B-56EC-7E46364920E5}"/>
               </a:ext>
             </a:extLst>
           </p:cNvPr>
-          <p:cNvSpPr>
-            <a:spLocks noGrp="1"/>
-          </p:cNvSpPr>
-          <p:nvPr>
-            <p:ph type="title"/>
-          </p:nvPr>
-        </p:nvSpPr>
-        <p:spPr/>
-        <p:txBody>
-          <a:bodyPr/>
-          <a:lstStyle/>
-          <a:p>
-            <a:r>
-              <a:rPr lang="en-US" dirty="0"/>
-              <a:t>Dillon</a:t>
-            </a:r>
-          </a:p>
-        </p:txBody>
-      </p:sp>
-      <p:sp>
-        <p:nvSpPr>
-          <p:cNvPr id="3" name="Content Placeholder 2">
+          <p:cNvPicPr>
+            <a:picLocks noChangeAspect="1"/>
+          </p:cNvPicPr>
+          <p:nvPr/>
+        </p:nvPicPr>
+        <p:blipFill>
+          <a:blip r:embed="rId2">
             <a:extLst>
-              <a:ext uri="{FF2B5EF4-FFF2-40B4-BE49-F238E27FC236}">
-                <a16:creationId xmlns:a16="http://schemas.microsoft.com/office/drawing/2014/main" id="{5F1DF18B-D939-CD73-24AF-E65C109F1F98}"/>
+              <a:ext uri="{28A0092B-C50C-407E-A947-70E740481C1C}">
+                <a14:useLocalDpi xmlns:a14="http://schemas.microsoft.com/office/drawing/2010/main" val="0"/>
               </a:ext>
             </a:extLst>
-          </p:cNvPr>
-          <p:cNvSpPr>
-            <a:spLocks noGrp="1"/>
-          </p:cNvSpPr>
-          <p:nvPr>
-            <p:ph idx="1"/>
-          </p:nvPr>
-        </p:nvSpPr>
-        <p:spPr/>
-        <p:txBody>
-          <a:bodyPr/>
-          <a:lstStyle/>
-          <a:p>
-            <a:endParaRPr lang="en-US"/>
-          </a:p>
-        </p:txBody>
-      </p:sp>
+          </a:blip>
+          <a:stretch>
+            <a:fillRect/>
+          </a:stretch>
+        </p:blipFill>
+        <p:spPr>
+          <a:xfrm>
+            <a:off x="281567" y="429491"/>
+            <a:ext cx="11593057" cy="5980545"/>
+          </a:xfrm>
+          <a:prstGeom prst="rect">
+            <a:avLst/>
+          </a:prstGeom>
+        </p:spPr>
+      </p:pic>
     </p:spTree>
     <p:extLst>
       <p:ext uri="{BB962C8B-B14F-4D97-AF65-F5344CB8AC3E}">
-        <p14:creationId xmlns:p14="http://schemas.microsoft.com/office/powerpoint/2010/main" val="452332997"/>
+        <p14:creationId xmlns:p14="http://schemas.microsoft.com/office/powerpoint/2010/main" val="1852615108"/>
       </p:ext>
     </p:extLst>
   </p:cSld>
@@ -5824,7 +5813,7 @@
           <p:cNvPr id="2" name="Title 1">
             <a:extLst>
               <a:ext uri="{FF2B5EF4-FFF2-40B4-BE49-F238E27FC236}">
-                <a16:creationId xmlns:a16="http://schemas.microsoft.com/office/drawing/2014/main" id="{404DC841-2F22-ED2D-1355-DFE880881A68}"/>
+                <a16:creationId xmlns:a16="http://schemas.microsoft.com/office/drawing/2014/main" id="{E278DC42-4966-5A20-922C-B2E22A6112EF}"/>
               </a:ext>
             </a:extLst>
           </p:cNvPr>
@@ -5841,10 +5830,9 @@
           <a:lstStyle/>
           <a:p>
             <a:r>
-              <a:rPr lang="en-US" dirty="0" err="1"/>
-              <a:t>Nidhay</a:t>
-            </a:r>
-            <a:endParaRPr lang="en-US" dirty="0"/>
+              <a:rPr lang="en-US" dirty="0"/>
+              <a:t>Dillon</a:t>
+            </a:r>
           </a:p>
         </p:txBody>
       </p:sp>
@@ -5853,7 +5841,7 @@
           <p:cNvPr id="3" name="Content Placeholder 2">
             <a:extLst>
               <a:ext uri="{FF2B5EF4-FFF2-40B4-BE49-F238E27FC236}">
-                <a16:creationId xmlns:a16="http://schemas.microsoft.com/office/drawing/2014/main" id="{3FF0298A-DDA2-AA53-9FBC-13CB638DC21A}"/>
+                <a16:creationId xmlns:a16="http://schemas.microsoft.com/office/drawing/2014/main" id="{5F1DF18B-D939-CD73-24AF-E65C109F1F98}"/>
               </a:ext>
             </a:extLst>
           </p:cNvPr>
@@ -5876,7 +5864,7 @@
     </p:spTree>
     <p:extLst>
       <p:ext uri="{BB962C8B-B14F-4D97-AF65-F5344CB8AC3E}">
-        <p14:creationId xmlns:p14="http://schemas.microsoft.com/office/powerpoint/2010/main" val="980526479"/>
+        <p14:creationId xmlns:p14="http://schemas.microsoft.com/office/powerpoint/2010/main" val="452332997"/>
       </p:ext>
     </p:extLst>
   </p:cSld>
@@ -5908,7 +5896,7 @@
           <p:cNvPr id="2" name="Title 1">
             <a:extLst>
               <a:ext uri="{FF2B5EF4-FFF2-40B4-BE49-F238E27FC236}">
-                <a16:creationId xmlns:a16="http://schemas.microsoft.com/office/drawing/2014/main" id="{09A56441-8D47-001E-8FCA-4D6C7681F09B}"/>
+                <a16:creationId xmlns:a16="http://schemas.microsoft.com/office/drawing/2014/main" id="{404DC841-2F22-ED2D-1355-DFE880881A68}"/>
               </a:ext>
             </a:extLst>
           </p:cNvPr>
@@ -5925,9 +5913,10 @@
           <a:lstStyle/>
           <a:p>
             <a:r>
-              <a:rPr lang="en-US" dirty="0"/>
-              <a:t>Ryan</a:t>
-            </a:r>
+              <a:rPr lang="en-US" dirty="0" err="1"/>
+              <a:t>Nidhay</a:t>
+            </a:r>
+            <a:endParaRPr lang="en-US" dirty="0"/>
           </a:p>
         </p:txBody>
       </p:sp>
@@ -5936,7 +5925,7 @@
           <p:cNvPr id="3" name="Content Placeholder 2">
             <a:extLst>
               <a:ext uri="{FF2B5EF4-FFF2-40B4-BE49-F238E27FC236}">
-                <a16:creationId xmlns:a16="http://schemas.microsoft.com/office/drawing/2014/main" id="{D6B92841-EBA4-9243-FE23-FA0067B95899}"/>
+                <a16:creationId xmlns:a16="http://schemas.microsoft.com/office/drawing/2014/main" id="{3FF0298A-DDA2-AA53-9FBC-13CB638DC21A}"/>
               </a:ext>
             </a:extLst>
           </p:cNvPr>
@@ -5959,7 +5948,7 @@
     </p:spTree>
     <p:extLst>
       <p:ext uri="{BB962C8B-B14F-4D97-AF65-F5344CB8AC3E}">
-        <p14:creationId xmlns:p14="http://schemas.microsoft.com/office/powerpoint/2010/main" val="1314227407"/>
+        <p14:creationId xmlns:p14="http://schemas.microsoft.com/office/powerpoint/2010/main" val="980526479"/>
       </p:ext>
     </p:extLst>
   </p:cSld>
@@ -5991,7 +5980,7 @@
           <p:cNvPr id="2" name="Title 1">
             <a:extLst>
               <a:ext uri="{FF2B5EF4-FFF2-40B4-BE49-F238E27FC236}">
-                <a16:creationId xmlns:a16="http://schemas.microsoft.com/office/drawing/2014/main" id="{91D0B8B2-FF69-9E0D-0824-883F8E0683DD}"/>
+                <a16:creationId xmlns:a16="http://schemas.microsoft.com/office/drawing/2014/main" id="{09A56441-8D47-001E-8FCA-4D6C7681F09B}"/>
               </a:ext>
             </a:extLst>
           </p:cNvPr>
@@ -6009,7 +5998,7 @@
           <a:p>
             <a:r>
               <a:rPr lang="en-US" dirty="0"/>
-              <a:t>Mick</a:t>
+              <a:t>Ryan</a:t>
             </a:r>
           </a:p>
         </p:txBody>
@@ -6019,7 +6008,7 @@
           <p:cNvPr id="3" name="Content Placeholder 2">
             <a:extLst>
               <a:ext uri="{FF2B5EF4-FFF2-40B4-BE49-F238E27FC236}">
-                <a16:creationId xmlns:a16="http://schemas.microsoft.com/office/drawing/2014/main" id="{6CE062EA-3BEE-7322-F72B-CB756CC13F0F}"/>
+                <a16:creationId xmlns:a16="http://schemas.microsoft.com/office/drawing/2014/main" id="{D6B92841-EBA4-9243-FE23-FA0067B95899}"/>
               </a:ext>
             </a:extLst>
           </p:cNvPr>
@@ -6042,7 +6031,7 @@
     </p:spTree>
     <p:extLst>
       <p:ext uri="{BB962C8B-B14F-4D97-AF65-F5344CB8AC3E}">
-        <p14:creationId xmlns:p14="http://schemas.microsoft.com/office/powerpoint/2010/main" val="654445820"/>
+        <p14:creationId xmlns:p14="http://schemas.microsoft.com/office/powerpoint/2010/main" val="1314227407"/>
       </p:ext>
     </p:extLst>
   </p:cSld>
@@ -6074,6 +6063,89 @@
           <p:cNvPr id="2" name="Title 1">
             <a:extLst>
               <a:ext uri="{FF2B5EF4-FFF2-40B4-BE49-F238E27FC236}">
+                <a16:creationId xmlns:a16="http://schemas.microsoft.com/office/drawing/2014/main" id="{91D0B8B2-FF69-9E0D-0824-883F8E0683DD}"/>
+              </a:ext>
+            </a:extLst>
+          </p:cNvPr>
+          <p:cNvSpPr>
+            <a:spLocks noGrp="1"/>
+          </p:cNvSpPr>
+          <p:nvPr>
+            <p:ph type="title"/>
+          </p:nvPr>
+        </p:nvSpPr>
+        <p:spPr/>
+        <p:txBody>
+          <a:bodyPr/>
+          <a:lstStyle/>
+          <a:p>
+            <a:r>
+              <a:rPr lang="en-US" dirty="0"/>
+              <a:t>Mick</a:t>
+            </a:r>
+          </a:p>
+        </p:txBody>
+      </p:sp>
+      <p:sp>
+        <p:nvSpPr>
+          <p:cNvPr id="3" name="Content Placeholder 2">
+            <a:extLst>
+              <a:ext uri="{FF2B5EF4-FFF2-40B4-BE49-F238E27FC236}">
+                <a16:creationId xmlns:a16="http://schemas.microsoft.com/office/drawing/2014/main" id="{6CE062EA-3BEE-7322-F72B-CB756CC13F0F}"/>
+              </a:ext>
+            </a:extLst>
+          </p:cNvPr>
+          <p:cNvSpPr>
+            <a:spLocks noGrp="1"/>
+          </p:cNvSpPr>
+          <p:nvPr>
+            <p:ph idx="1"/>
+          </p:nvPr>
+        </p:nvSpPr>
+        <p:spPr/>
+        <p:txBody>
+          <a:bodyPr/>
+          <a:lstStyle/>
+          <a:p>
+            <a:endParaRPr lang="en-US"/>
+          </a:p>
+        </p:txBody>
+      </p:sp>
+    </p:spTree>
+    <p:extLst>
+      <p:ext uri="{BB962C8B-B14F-4D97-AF65-F5344CB8AC3E}">
+        <p14:creationId xmlns:p14="http://schemas.microsoft.com/office/powerpoint/2010/main" val="654445820"/>
+      </p:ext>
+    </p:extLst>
+  </p:cSld>
+  <p:clrMapOvr>
+    <a:masterClrMapping/>
+  </p:clrMapOvr>
+</p:sld>
+</file>
+
+<file path=ppt/slides/slide7.xml><?xml version="1.0" encoding="utf-8"?>
+<p:sld xmlns:a="http://schemas.openxmlformats.org/drawingml/2006/main" xmlns:r="http://schemas.openxmlformats.org/officeDocument/2006/relationships" xmlns:p="http://schemas.openxmlformats.org/presentationml/2006/main">
+  <p:cSld>
+    <p:spTree>
+      <p:nvGrpSpPr>
+        <p:cNvPr id="1" name=""/>
+        <p:cNvGrpSpPr/>
+        <p:nvPr/>
+      </p:nvGrpSpPr>
+      <p:grpSpPr>
+        <a:xfrm>
+          <a:off x="0" y="0"/>
+          <a:ext cx="0" cy="0"/>
+          <a:chOff x="0" y="0"/>
+          <a:chExt cx="0" cy="0"/>
+        </a:xfrm>
+      </p:grpSpPr>
+      <p:sp>
+        <p:nvSpPr>
+          <p:cNvPr id="2" name="Title 1">
+            <a:extLst>
+              <a:ext uri="{FF2B5EF4-FFF2-40B4-BE49-F238E27FC236}">
                 <a16:creationId xmlns:a16="http://schemas.microsoft.com/office/drawing/2014/main" id="{6427ACC6-F9BA-36B4-A292-62EA94E454FA}"/>
               </a:ext>
             </a:extLst>
@@ -6136,7 +6208,7 @@
 </p:sld>
 </file>
 
-<file path=ppt/slides/slide7.xml><?xml version="1.0" encoding="utf-8"?>
+<file path=ppt/slides/slide8.xml><?xml version="1.0" encoding="utf-8"?>
 <p:sld xmlns:a="http://schemas.openxmlformats.org/drawingml/2006/main" xmlns:r="http://schemas.openxmlformats.org/officeDocument/2006/relationships" xmlns:p="http://schemas.openxmlformats.org/presentationml/2006/main">
   <p:cSld>
     <p:spTree>

--- a/Reports/Conceptual Design.pptx
+++ b/Reports/Conceptual Design.pptx
@@ -15,7 +15,8 @@
     <p:sldId id="269" r:id="rId9"/>
     <p:sldId id="260" r:id="rId10"/>
     <p:sldId id="261" r:id="rId11"/>
-    <p:sldId id="262" r:id="rId12"/>
+    <p:sldId id="270" r:id="rId12"/>
+    <p:sldId id="271" r:id="rId13"/>
   </p:sldIdLst>
   <p:sldSz cx="12192000" cy="6858000"/>
   <p:notesSz cx="6858000" cy="9144000"/>
@@ -6643,19 +6644,59 @@
             <p:ph type="title"/>
           </p:nvPr>
         </p:nvSpPr>
-        <p:spPr/>
-        <p:txBody>
-          <a:bodyPr/>
+        <p:spPr>
+          <a:xfrm>
+            <a:off x="6435091" y="609600"/>
+            <a:ext cx="4832465" cy="1326321"/>
+          </a:xfrm>
+        </p:spPr>
+        <p:txBody>
+          <a:bodyPr>
+            <a:normAutofit/>
+          </a:bodyPr>
           <a:lstStyle/>
           <a:p>
             <a:r>
-              <a:rPr lang="en-US" dirty="0" err="1"/>
-              <a:t>Sigg</a:t>
-            </a:r>
-            <a:endParaRPr lang="en-US" dirty="0"/>
-          </a:p>
-        </p:txBody>
-      </p:sp>
+              <a:rPr lang="en-US">
+                <a:solidFill>
+                  <a:srgbClr val="FFFFFF"/>
+                </a:solidFill>
+              </a:rPr>
+              <a:t>Power</a:t>
+            </a:r>
+          </a:p>
+        </p:txBody>
+      </p:sp>
+      <p:pic>
+        <p:nvPicPr>
+          <p:cNvPr id="5" name="Picture 4">
+            <a:extLst>
+              <a:ext uri="{FF2B5EF4-FFF2-40B4-BE49-F238E27FC236}">
+                <a16:creationId xmlns:a16="http://schemas.microsoft.com/office/drawing/2014/main" id="{6349967E-83F0-9EE6-16A7-0546CFD674D3}"/>
+              </a:ext>
+            </a:extLst>
+          </p:cNvPr>
+          <p:cNvPicPr>
+            <a:picLocks noChangeAspect="1"/>
+          </p:cNvPicPr>
+          <p:nvPr/>
+        </p:nvPicPr>
+        <p:blipFill>
+          <a:blip r:embed="rId2"/>
+          <a:stretch>
+            <a:fillRect/>
+          </a:stretch>
+        </p:blipFill>
+        <p:spPr>
+          <a:xfrm>
+            <a:off x="1141857" y="2216988"/>
+            <a:ext cx="4450460" cy="2424025"/>
+          </a:xfrm>
+          <a:prstGeom prst="rect">
+            <a:avLst/>
+          </a:prstGeom>
+        </p:spPr>
+      </p:pic>
       <p:sp>
         <p:nvSpPr>
           <p:cNvPr id="3" name="Content Placeholder 2">
@@ -6672,12 +6713,56 @@
             <p:ph idx="1"/>
           </p:nvPr>
         </p:nvSpPr>
-        <p:spPr/>
-        <p:txBody>
-          <a:bodyPr/>
+        <p:spPr>
+          <a:xfrm>
+            <a:off x="6435091" y="2096064"/>
+            <a:ext cx="4832465" cy="3962120"/>
+          </a:xfrm>
+        </p:spPr>
+        <p:txBody>
+          <a:bodyPr>
+            <a:normAutofit/>
+          </a:bodyPr>
           <a:lstStyle/>
           <a:p>
-            <a:endParaRPr lang="en-US"/>
+            <a:r>
+              <a:rPr lang="en-US">
+                <a:solidFill>
+                  <a:srgbClr val="FFFFFF"/>
+                </a:solidFill>
+              </a:rPr>
+              <a:t>Power Supply</a:t>
+            </a:r>
+          </a:p>
+          <a:p>
+            <a:r>
+              <a:rPr lang="en-US">
+                <a:solidFill>
+                  <a:srgbClr val="FFFFFF"/>
+                </a:solidFill>
+              </a:rPr>
+              <a:t>AC/DC Converter</a:t>
+            </a:r>
+          </a:p>
+          <a:p>
+            <a:r>
+              <a:rPr lang="en-US">
+                <a:solidFill>
+                  <a:srgbClr val="FFFFFF"/>
+                </a:solidFill>
+              </a:rPr>
+              <a:t>Step Down Transformer</a:t>
+            </a:r>
+          </a:p>
+          <a:p>
+            <a:r>
+              <a:rPr lang="en-US">
+                <a:solidFill>
+                  <a:srgbClr val="FFFFFF"/>
+                </a:solidFill>
+              </a:rPr>
+              <a:t>Op-Amp Circuit</a:t>
+            </a:r>
           </a:p>
         </p:txBody>
       </p:sp>
@@ -6732,7 +6817,11 @@
           <a:bodyPr/>
           <a:lstStyle/>
           <a:p>
-            <a:endParaRPr lang="en-US"/>
+            <a:r>
+              <a:rPr lang="en-US"/>
+              <a:t>Systems that require Power</a:t>
+            </a:r>
+            <a:endParaRPr lang="en-US" dirty="0"/>
           </a:p>
         </p:txBody>
       </p:sp>
@@ -6752,19 +6841,261 @@
             <p:ph idx="1"/>
           </p:nvPr>
         </p:nvSpPr>
-        <p:spPr/>
+        <p:spPr>
+          <a:xfrm>
+            <a:off x="651148" y="2008515"/>
+            <a:ext cx="2048783" cy="3695136"/>
+          </a:xfrm>
+        </p:spPr>
         <p:txBody>
           <a:bodyPr/>
           <a:lstStyle/>
           <a:p>
-            <a:endParaRPr lang="en-US"/>
-          </a:p>
-        </p:txBody>
-      </p:sp>
+            <a:r>
+              <a:rPr lang="en-US" dirty="0"/>
+              <a:t>Raspberry Pi</a:t>
+            </a:r>
+          </a:p>
+          <a:p>
+            <a:r>
+              <a:rPr lang="en-US" dirty="0"/>
+              <a:t>Barcode Scanner</a:t>
+            </a:r>
+          </a:p>
+          <a:p>
+            <a:r>
+              <a:rPr lang="en-US" dirty="0"/>
+              <a:t>PLC</a:t>
+            </a:r>
+          </a:p>
+          <a:p>
+            <a:r>
+              <a:rPr lang="en-US" dirty="0"/>
+              <a:t>Locks</a:t>
+            </a:r>
+          </a:p>
+          <a:p>
+            <a:r>
+              <a:rPr lang="en-US" dirty="0"/>
+              <a:t>Card Reader</a:t>
+            </a:r>
+          </a:p>
+        </p:txBody>
+      </p:sp>
+      <p:pic>
+        <p:nvPicPr>
+          <p:cNvPr id="5" name="Picture 4">
+            <a:extLst>
+              <a:ext uri="{FF2B5EF4-FFF2-40B4-BE49-F238E27FC236}">
+                <a16:creationId xmlns:a16="http://schemas.microsoft.com/office/drawing/2014/main" id="{FDF35300-B626-A0F1-A149-985C9136952D}"/>
+              </a:ext>
+            </a:extLst>
+          </p:cNvPr>
+          <p:cNvPicPr>
+            <a:picLocks noChangeAspect="1"/>
+          </p:cNvPicPr>
+          <p:nvPr/>
+        </p:nvPicPr>
+        <p:blipFill>
+          <a:blip r:embed="rId2"/>
+          <a:stretch>
+            <a:fillRect/>
+          </a:stretch>
+        </p:blipFill>
+        <p:spPr>
+          <a:xfrm>
+            <a:off x="2865301" y="1935921"/>
+            <a:ext cx="8893311" cy="4473328"/>
+          </a:xfrm>
+          <a:prstGeom prst="rect">
+            <a:avLst/>
+          </a:prstGeom>
+        </p:spPr>
+      </p:pic>
     </p:spTree>
     <p:extLst>
       <p:ext uri="{BB962C8B-B14F-4D97-AF65-F5344CB8AC3E}">
-        <p14:creationId xmlns:p14="http://schemas.microsoft.com/office/powerpoint/2010/main" val="3069835955"/>
+        <p14:creationId xmlns:p14="http://schemas.microsoft.com/office/powerpoint/2010/main" val="5038343"/>
+      </p:ext>
+    </p:extLst>
+  </p:cSld>
+  <p:clrMapOvr>
+    <a:masterClrMapping/>
+  </p:clrMapOvr>
+</p:sld>
+</file>
+
+<file path=ppt/slides/slide12.xml><?xml version="1.0" encoding="utf-8"?>
+<p:sld xmlns:a="http://schemas.openxmlformats.org/drawingml/2006/main" xmlns:r="http://schemas.openxmlformats.org/officeDocument/2006/relationships" xmlns:p="http://schemas.openxmlformats.org/presentationml/2006/main">
+  <p:cSld>
+    <p:spTree>
+      <p:nvGrpSpPr>
+        <p:cNvPr id="1" name=""/>
+        <p:cNvGrpSpPr/>
+        <p:nvPr/>
+      </p:nvGrpSpPr>
+      <p:grpSpPr>
+        <a:xfrm>
+          <a:off x="0" y="0"/>
+          <a:ext cx="0" cy="0"/>
+          <a:chOff x="0" y="0"/>
+          <a:chExt cx="0" cy="0"/>
+        </a:xfrm>
+      </p:grpSpPr>
+      <p:sp>
+        <p:nvSpPr>
+          <p:cNvPr id="2" name="Title 1">
+            <a:extLst>
+              <a:ext uri="{FF2B5EF4-FFF2-40B4-BE49-F238E27FC236}">
+                <a16:creationId xmlns:a16="http://schemas.microsoft.com/office/drawing/2014/main" id="{D5CDD225-6172-311A-86E3-AEDE3841A268}"/>
+              </a:ext>
+            </a:extLst>
+          </p:cNvPr>
+          <p:cNvSpPr>
+            <a:spLocks noGrp="1"/>
+          </p:cNvSpPr>
+          <p:nvPr>
+            <p:ph type="title"/>
+          </p:nvPr>
+        </p:nvSpPr>
+        <p:spPr>
+          <a:xfrm>
+            <a:off x="6435091" y="609600"/>
+            <a:ext cx="4832465" cy="1326321"/>
+          </a:xfrm>
+        </p:spPr>
+        <p:txBody>
+          <a:bodyPr>
+            <a:normAutofit/>
+          </a:bodyPr>
+          <a:lstStyle/>
+          <a:p>
+            <a:r>
+              <a:rPr lang="en-US">
+                <a:solidFill>
+                  <a:srgbClr val="FFFFFF"/>
+                </a:solidFill>
+              </a:rPr>
+              <a:t>Sensors</a:t>
+            </a:r>
+          </a:p>
+        </p:txBody>
+      </p:sp>
+      <p:pic>
+        <p:nvPicPr>
+          <p:cNvPr id="5" name="Picture 4">
+            <a:extLst>
+              <a:ext uri="{FF2B5EF4-FFF2-40B4-BE49-F238E27FC236}">
+                <a16:creationId xmlns:a16="http://schemas.microsoft.com/office/drawing/2014/main" id="{6B11A6E1-C71E-16F6-18B0-2D18BFDC3B58}"/>
+              </a:ext>
+            </a:extLst>
+          </p:cNvPr>
+          <p:cNvPicPr>
+            <a:picLocks noChangeAspect="1"/>
+          </p:cNvPicPr>
+          <p:nvPr/>
+        </p:nvPicPr>
+        <p:blipFill>
+          <a:blip r:embed="rId2"/>
+          <a:stretch>
+            <a:fillRect/>
+          </a:stretch>
+        </p:blipFill>
+        <p:spPr>
+          <a:xfrm>
+            <a:off x="1560036" y="1114868"/>
+            <a:ext cx="3614101" cy="4628265"/>
+          </a:xfrm>
+          <a:prstGeom prst="rect">
+            <a:avLst/>
+          </a:prstGeom>
+        </p:spPr>
+      </p:pic>
+      <p:sp>
+        <p:nvSpPr>
+          <p:cNvPr id="3" name="Content Placeholder 2">
+            <a:extLst>
+              <a:ext uri="{FF2B5EF4-FFF2-40B4-BE49-F238E27FC236}">
+                <a16:creationId xmlns:a16="http://schemas.microsoft.com/office/drawing/2014/main" id="{9E4479F1-A19D-3B8E-12DA-1F21750C87FD}"/>
+              </a:ext>
+            </a:extLst>
+          </p:cNvPr>
+          <p:cNvSpPr>
+            <a:spLocks noGrp="1"/>
+          </p:cNvSpPr>
+          <p:nvPr>
+            <p:ph idx="1"/>
+          </p:nvPr>
+        </p:nvSpPr>
+        <p:spPr>
+          <a:xfrm>
+            <a:off x="6435091" y="2096064"/>
+            <a:ext cx="4832465" cy="3962120"/>
+          </a:xfrm>
+        </p:spPr>
+        <p:txBody>
+          <a:bodyPr>
+            <a:normAutofit/>
+          </a:bodyPr>
+          <a:lstStyle/>
+          <a:p>
+            <a:r>
+              <a:rPr lang="en-US" dirty="0">
+                <a:solidFill>
+                  <a:srgbClr val="FFFFFF"/>
+                </a:solidFill>
+              </a:rPr>
+              <a:t>To determine stock of each compartment</a:t>
+            </a:r>
+          </a:p>
+          <a:p>
+            <a:pPr marL="0" indent="0">
+              <a:buNone/>
+            </a:pPr>
+            <a:endParaRPr lang="en-US" dirty="0">
+              <a:solidFill>
+                <a:srgbClr val="FFFFFF"/>
+              </a:solidFill>
+            </a:endParaRPr>
+          </a:p>
+          <a:p>
+            <a:r>
+              <a:rPr lang="en-US" dirty="0">
+                <a:solidFill>
+                  <a:srgbClr val="FFFFFF"/>
+                </a:solidFill>
+              </a:rPr>
+              <a:t>Considerations:</a:t>
+            </a:r>
+          </a:p>
+          <a:p>
+            <a:pPr lvl="1"/>
+            <a:r>
+              <a:rPr lang="en-US" dirty="0">
+                <a:solidFill>
+                  <a:srgbClr val="FFFFFF"/>
+                </a:solidFill>
+              </a:rPr>
+              <a:t>Photo Eye Light Sensor</a:t>
+            </a:r>
+          </a:p>
+          <a:p>
+            <a:pPr lvl="1"/>
+            <a:r>
+              <a:rPr lang="en-US" dirty="0">
+                <a:solidFill>
+                  <a:srgbClr val="FFFFFF"/>
+                </a:solidFill>
+              </a:rPr>
+              <a:t>Scale Weight Sensor</a:t>
+            </a:r>
+          </a:p>
+        </p:txBody>
+      </p:sp>
+    </p:spTree>
+    <p:extLst>
+      <p:ext uri="{BB962C8B-B14F-4D97-AF65-F5344CB8AC3E}">
+        <p14:creationId xmlns:p14="http://schemas.microsoft.com/office/powerpoint/2010/main" val="2911756545"/>
       </p:ext>
     </p:extLst>
   </p:cSld>

--- a/Reports/Conceptual Design.pptx
+++ b/Reports/Conceptual Design.pptx
@@ -12,15 +12,17 @@
     <p:sldId id="257" r:id="rId6"/>
     <p:sldId id="265" r:id="rId7"/>
     <p:sldId id="266" r:id="rId8"/>
-    <p:sldId id="268" r:id="rId9"/>
-    <p:sldId id="269" r:id="rId10"/>
-    <p:sldId id="260" r:id="rId11"/>
-    <p:sldId id="272" r:id="rId12"/>
-    <p:sldId id="273" r:id="rId13"/>
-    <p:sldId id="274" r:id="rId14"/>
-    <p:sldId id="261" r:id="rId15"/>
-    <p:sldId id="270" r:id="rId16"/>
-    <p:sldId id="271" r:id="rId17"/>
+    <p:sldId id="277" r:id="rId9"/>
+    <p:sldId id="268" r:id="rId10"/>
+    <p:sldId id="269" r:id="rId11"/>
+    <p:sldId id="276" r:id="rId12"/>
+    <p:sldId id="272" r:id="rId13"/>
+    <p:sldId id="273" r:id="rId14"/>
+    <p:sldId id="260" r:id="rId15"/>
+    <p:sldId id="274" r:id="rId16"/>
+    <p:sldId id="261" r:id="rId17"/>
+    <p:sldId id="270" r:id="rId18"/>
+    <p:sldId id="271" r:id="rId19"/>
   </p:sldIdLst>
   <p:sldSz cx="12192000" cy="6858000"/>
   <p:notesSz cx="6858000" cy="9144000"/>
@@ -6632,6 +6634,667 @@
           <p:cNvPr id="2" name="Title 1">
             <a:extLst>
               <a:ext uri="{FF2B5EF4-FFF2-40B4-BE49-F238E27FC236}">
+                <a16:creationId xmlns:a16="http://schemas.microsoft.com/office/drawing/2014/main" id="{0B4399A8-B7F2-09F1-D93B-B48C6ECDE513}"/>
+              </a:ext>
+            </a:extLst>
+          </p:cNvPr>
+          <p:cNvSpPr>
+            <a:spLocks noGrp="1"/>
+          </p:cNvSpPr>
+          <p:nvPr>
+            <p:ph type="title"/>
+          </p:nvPr>
+        </p:nvSpPr>
+        <p:spPr/>
+        <p:txBody>
+          <a:bodyPr/>
+          <a:lstStyle/>
+          <a:p>
+            <a:r>
+              <a:rPr lang="en-US" dirty="0"/>
+              <a:t>Hardware subsystems</a:t>
+            </a:r>
+          </a:p>
+        </p:txBody>
+      </p:sp>
+      <p:sp>
+        <p:nvSpPr>
+          <p:cNvPr id="3" name="Content Placeholder 2">
+            <a:extLst>
+              <a:ext uri="{FF2B5EF4-FFF2-40B4-BE49-F238E27FC236}">
+                <a16:creationId xmlns:a16="http://schemas.microsoft.com/office/drawing/2014/main" id="{B6209692-1DBF-4C1B-A7CD-DFEAF1CA225A}"/>
+              </a:ext>
+            </a:extLst>
+          </p:cNvPr>
+          <p:cNvSpPr>
+            <a:spLocks noGrp="1"/>
+          </p:cNvSpPr>
+          <p:nvPr>
+            <p:ph sz="half" idx="1"/>
+          </p:nvPr>
+        </p:nvSpPr>
+        <p:spPr>
+          <a:xfrm>
+            <a:off x="913795" y="2088319"/>
+            <a:ext cx="5556278" cy="4557245"/>
+          </a:xfrm>
+        </p:spPr>
+        <p:txBody>
+          <a:bodyPr>
+            <a:normAutofit/>
+          </a:bodyPr>
+          <a:lstStyle/>
+          <a:p>
+            <a:r>
+              <a:rPr lang="en-US" dirty="0"/>
+              <a:t>Stepper Motor</a:t>
+            </a:r>
+          </a:p>
+          <a:p>
+            <a:pPr lvl="1"/>
+            <a:r>
+              <a:rPr lang="en-US" dirty="0"/>
+              <a:t>PLC will control driver for motor</a:t>
+            </a:r>
+          </a:p>
+          <a:p>
+            <a:pPr lvl="1"/>
+            <a:r>
+              <a:rPr lang="en-US" dirty="0"/>
+              <a:t>Motor steps enough degrees to rotate new device to drawer</a:t>
+            </a:r>
+          </a:p>
+          <a:p>
+            <a:pPr marL="457200" lvl="1" indent="0">
+              <a:buNone/>
+            </a:pPr>
+            <a:endParaRPr lang="en-US" dirty="0"/>
+          </a:p>
+          <a:p>
+            <a:r>
+              <a:rPr lang="en-US" dirty="0"/>
+              <a:t>Locks</a:t>
+            </a:r>
+          </a:p>
+          <a:p>
+            <a:pPr lvl="1"/>
+            <a:r>
+              <a:rPr lang="en-US" dirty="0"/>
+              <a:t>Most likely solenoid (Proposed by </a:t>
+            </a:r>
+            <a:r>
+              <a:rPr lang="en-US" dirty="0" err="1"/>
+              <a:t>MechE</a:t>
+            </a:r>
+            <a:r>
+              <a:rPr lang="en-US" dirty="0"/>
+              <a:t> team)</a:t>
+            </a:r>
+          </a:p>
+          <a:p>
+            <a:pPr lvl="1"/>
+            <a:r>
+              <a:rPr lang="en-US" dirty="0"/>
+              <a:t>Powered by DC voltage</a:t>
+            </a:r>
+          </a:p>
+          <a:p>
+            <a:pPr lvl="1"/>
+            <a:endParaRPr lang="en-US" dirty="0"/>
+          </a:p>
+        </p:txBody>
+      </p:sp>
+      <p:sp>
+        <p:nvSpPr>
+          <p:cNvPr id="4" name="Content Placeholder 3">
+            <a:extLst>
+              <a:ext uri="{FF2B5EF4-FFF2-40B4-BE49-F238E27FC236}">
+                <a16:creationId xmlns:a16="http://schemas.microsoft.com/office/drawing/2014/main" id="{C77EC574-A4B4-D878-5ABC-E998FB6A392B}"/>
+              </a:ext>
+            </a:extLst>
+          </p:cNvPr>
+          <p:cNvSpPr>
+            <a:spLocks noGrp="1"/>
+          </p:cNvSpPr>
+          <p:nvPr>
+            <p:ph sz="half" idx="2"/>
+          </p:nvPr>
+        </p:nvSpPr>
+        <p:spPr>
+          <a:xfrm>
+            <a:off x="6173402" y="2088319"/>
+            <a:ext cx="5718415" cy="4160081"/>
+          </a:xfrm>
+        </p:spPr>
+        <p:txBody>
+          <a:bodyPr>
+            <a:noAutofit/>
+          </a:bodyPr>
+          <a:lstStyle/>
+          <a:p>
+            <a:r>
+              <a:rPr lang="en-US" dirty="0"/>
+              <a:t>Indication System</a:t>
+            </a:r>
+          </a:p>
+          <a:p>
+            <a:pPr lvl="1"/>
+            <a:r>
+              <a:rPr lang="en-US" dirty="0"/>
+              <a:t>Most likely LEDs. Will help guide student to correct drawer and compartment</a:t>
+            </a:r>
+          </a:p>
+          <a:p>
+            <a:pPr lvl="1"/>
+            <a:r>
+              <a:rPr lang="en-US" dirty="0"/>
+              <a:t>Controlled by PLC</a:t>
+            </a:r>
+          </a:p>
+          <a:p>
+            <a:pPr marL="457200" lvl="1" indent="0">
+              <a:buNone/>
+            </a:pPr>
+            <a:endParaRPr lang="en-US" dirty="0"/>
+          </a:p>
+          <a:p>
+            <a:r>
+              <a:rPr lang="en-US" dirty="0"/>
+              <a:t>Timer System</a:t>
+            </a:r>
+          </a:p>
+          <a:p>
+            <a:pPr lvl="1"/>
+            <a:r>
+              <a:rPr lang="en-US" dirty="0"/>
+              <a:t>Used to flash LEDs and unlock compartments over a predetermined duration</a:t>
+            </a:r>
+          </a:p>
+          <a:p>
+            <a:pPr lvl="1"/>
+            <a:r>
+              <a:rPr lang="en-US" dirty="0"/>
+              <a:t>Controlled by PLC</a:t>
+            </a:r>
+          </a:p>
+          <a:p>
+            <a:pPr lvl="1"/>
+            <a:r>
+              <a:rPr lang="en-US" dirty="0"/>
+              <a:t>Will be a system to alternate TON timers</a:t>
+            </a:r>
+          </a:p>
+          <a:p>
+            <a:pPr lvl="1"/>
+            <a:endParaRPr lang="en-US" dirty="0"/>
+          </a:p>
+        </p:txBody>
+      </p:sp>
+    </p:spTree>
+    <p:extLst>
+      <p:ext uri="{BB962C8B-B14F-4D97-AF65-F5344CB8AC3E}">
+        <p14:creationId xmlns:p14="http://schemas.microsoft.com/office/powerpoint/2010/main" val="2058813143"/>
+      </p:ext>
+    </p:extLst>
+  </p:cSld>
+  <p:clrMapOvr>
+    <a:masterClrMapping/>
+  </p:clrMapOvr>
+</p:sld>
+</file>
+
+<file path=ppt/slides/slide11.xml><?xml version="1.0" encoding="utf-8"?>
+<p:sld xmlns:a="http://schemas.openxmlformats.org/drawingml/2006/main" xmlns:r="http://schemas.openxmlformats.org/officeDocument/2006/relationships" xmlns:p="http://schemas.openxmlformats.org/presentationml/2006/main">
+  <p:cSld>
+    <p:spTree>
+      <p:nvGrpSpPr>
+        <p:cNvPr id="1" name=""/>
+        <p:cNvGrpSpPr/>
+        <p:nvPr/>
+      </p:nvGrpSpPr>
+      <p:grpSpPr>
+        <a:xfrm>
+          <a:off x="0" y="0"/>
+          <a:ext cx="0" cy="0"/>
+          <a:chOff x="0" y="0"/>
+          <a:chExt cx="0" cy="0"/>
+        </a:xfrm>
+      </p:grpSpPr>
+      <p:sp>
+        <p:nvSpPr>
+          <p:cNvPr id="2" name="Title 1">
+            <a:extLst>
+              <a:ext uri="{FF2B5EF4-FFF2-40B4-BE49-F238E27FC236}">
+                <a16:creationId xmlns:a16="http://schemas.microsoft.com/office/drawing/2014/main" id="{A996FFDC-8817-D605-32C6-506ECF30BE15}"/>
+              </a:ext>
+            </a:extLst>
+          </p:cNvPr>
+          <p:cNvSpPr>
+            <a:spLocks noGrp="1"/>
+          </p:cNvSpPr>
+          <p:nvPr>
+            <p:ph type="title"/>
+          </p:nvPr>
+        </p:nvSpPr>
+        <p:spPr/>
+        <p:txBody>
+          <a:bodyPr/>
+          <a:lstStyle/>
+          <a:p>
+            <a:r>
+              <a:rPr lang="en-US" dirty="0"/>
+              <a:t>Explanation for Stepper Motor</a:t>
+            </a:r>
+          </a:p>
+        </p:txBody>
+      </p:sp>
+      <p:sp>
+        <p:nvSpPr>
+          <p:cNvPr id="3" name="Content Placeholder 2">
+            <a:extLst>
+              <a:ext uri="{FF2B5EF4-FFF2-40B4-BE49-F238E27FC236}">
+                <a16:creationId xmlns:a16="http://schemas.microsoft.com/office/drawing/2014/main" id="{9000ECA3-8C41-C756-67B3-579C11C05863}"/>
+              </a:ext>
+            </a:extLst>
+          </p:cNvPr>
+          <p:cNvSpPr>
+            <a:spLocks noGrp="1"/>
+          </p:cNvSpPr>
+          <p:nvPr>
+            <p:ph sz="half" idx="1"/>
+          </p:nvPr>
+        </p:nvSpPr>
+        <p:spPr/>
+        <p:txBody>
+          <a:bodyPr/>
+          <a:lstStyle/>
+          <a:p>
+            <a:endParaRPr lang="en-US"/>
+          </a:p>
+        </p:txBody>
+      </p:sp>
+      <p:sp>
+        <p:nvSpPr>
+          <p:cNvPr id="4" name="Content Placeholder 3">
+            <a:extLst>
+              <a:ext uri="{FF2B5EF4-FFF2-40B4-BE49-F238E27FC236}">
+                <a16:creationId xmlns:a16="http://schemas.microsoft.com/office/drawing/2014/main" id="{D802BEFE-BF40-BC69-5838-2D257214C985}"/>
+              </a:ext>
+            </a:extLst>
+          </p:cNvPr>
+          <p:cNvSpPr>
+            <a:spLocks noGrp="1"/>
+          </p:cNvSpPr>
+          <p:nvPr>
+            <p:ph sz="half" idx="2"/>
+          </p:nvPr>
+        </p:nvSpPr>
+        <p:spPr/>
+        <p:txBody>
+          <a:bodyPr/>
+          <a:lstStyle/>
+          <a:p>
+            <a:endParaRPr lang="en-US"/>
+          </a:p>
+        </p:txBody>
+      </p:sp>
+    </p:spTree>
+    <p:extLst>
+      <p:ext uri="{BB962C8B-B14F-4D97-AF65-F5344CB8AC3E}">
+        <p14:creationId xmlns:p14="http://schemas.microsoft.com/office/powerpoint/2010/main" val="3646959886"/>
+      </p:ext>
+    </p:extLst>
+  </p:cSld>
+  <p:clrMapOvr>
+    <a:masterClrMapping/>
+  </p:clrMapOvr>
+</p:sld>
+</file>
+
+<file path=ppt/slides/slide12.xml><?xml version="1.0" encoding="utf-8"?>
+<p:sld xmlns:a="http://schemas.openxmlformats.org/drawingml/2006/main" xmlns:r="http://schemas.openxmlformats.org/officeDocument/2006/relationships" xmlns:p="http://schemas.openxmlformats.org/presentationml/2006/main">
+  <p:cSld>
+    <p:spTree>
+      <p:nvGrpSpPr>
+        <p:cNvPr id="1" name=""/>
+        <p:cNvGrpSpPr/>
+        <p:nvPr/>
+      </p:nvGrpSpPr>
+      <p:grpSpPr>
+        <a:xfrm>
+          <a:off x="0" y="0"/>
+          <a:ext cx="0" cy="0"/>
+          <a:chOff x="0" y="0"/>
+          <a:chExt cx="0" cy="0"/>
+        </a:xfrm>
+      </p:grpSpPr>
+      <p:sp>
+        <p:nvSpPr>
+          <p:cNvPr id="2" name="Title 1">
+            <a:extLst>
+              <a:ext uri="{FF2B5EF4-FFF2-40B4-BE49-F238E27FC236}">
+                <a16:creationId xmlns:a16="http://schemas.microsoft.com/office/drawing/2014/main" id="{E0DF0113-6CFD-4ABA-9146-970B48F85124}"/>
+              </a:ext>
+            </a:extLst>
+          </p:cNvPr>
+          <p:cNvSpPr>
+            <a:spLocks noGrp="1"/>
+          </p:cNvSpPr>
+          <p:nvPr>
+            <p:ph type="title"/>
+          </p:nvPr>
+        </p:nvSpPr>
+        <p:spPr/>
+        <p:txBody>
+          <a:bodyPr/>
+          <a:lstStyle/>
+          <a:p>
+            <a:r>
+              <a:rPr lang="en-US" dirty="0"/>
+              <a:t>Locks</a:t>
+            </a:r>
+          </a:p>
+        </p:txBody>
+      </p:sp>
+      <p:pic>
+        <p:nvPicPr>
+          <p:cNvPr id="2050" name="Picture 2" descr="See the source image">
+            <a:extLst>
+              <a:ext uri="{FF2B5EF4-FFF2-40B4-BE49-F238E27FC236}">
+                <a16:creationId xmlns:a16="http://schemas.microsoft.com/office/drawing/2014/main" id="{842D7784-1164-44DB-8DE2-012854C1327D}"/>
+              </a:ext>
+            </a:extLst>
+          </p:cNvPr>
+          <p:cNvPicPr>
+            <a:picLocks noGrp="1" noChangeAspect="1" noChangeArrowheads="1"/>
+          </p:cNvPicPr>
+          <p:nvPr>
+            <p:ph idx="1"/>
+          </p:nvPr>
+        </p:nvPicPr>
+        <p:blipFill>
+          <a:blip r:embed="rId2">
+            <a:extLst>
+              <a:ext uri="{28A0092B-C50C-407E-A947-70E740481C1C}">
+                <a14:useLocalDpi xmlns:a14="http://schemas.microsoft.com/office/drawing/2010/main" val="0"/>
+              </a:ext>
+            </a:extLst>
+          </a:blip>
+          <a:srcRect/>
+          <a:stretch>
+            <a:fillRect/>
+          </a:stretch>
+        </p:blipFill>
+        <p:spPr bwMode="auto">
+          <a:xfrm>
+            <a:off x="7430471" y="1581150"/>
+            <a:ext cx="3695700" cy="3695700"/>
+          </a:xfrm>
+          <a:prstGeom prst="rect">
+            <a:avLst/>
+          </a:prstGeom>
+          <a:noFill/>
+          <a:extLst>
+            <a:ext uri="{909E8E84-426E-40DD-AFC4-6F175D3DCCD1}">
+              <a14:hiddenFill xmlns:a14="http://schemas.microsoft.com/office/drawing/2010/main">
+                <a:solidFill>
+                  <a:srgbClr val="FFFFFF"/>
+                </a:solidFill>
+              </a14:hiddenFill>
+            </a:ext>
+          </a:extLst>
+        </p:spPr>
+      </p:pic>
+      <p:sp>
+        <p:nvSpPr>
+          <p:cNvPr id="4" name="TextBox 3">
+            <a:extLst>
+              <a:ext uri="{FF2B5EF4-FFF2-40B4-BE49-F238E27FC236}">
+                <a16:creationId xmlns:a16="http://schemas.microsoft.com/office/drawing/2014/main" id="{E49B8D97-B0B4-4BF3-BA4A-2F0766D25D8E}"/>
+              </a:ext>
+            </a:extLst>
+          </p:cNvPr>
+          <p:cNvSpPr txBox="1"/>
+          <p:nvPr/>
+        </p:nvSpPr>
+        <p:spPr>
+          <a:xfrm>
+            <a:off x="393290" y="1904581"/>
+            <a:ext cx="5810865" cy="3785652"/>
+          </a:xfrm>
+          <a:prstGeom prst="rect">
+            <a:avLst/>
+          </a:prstGeom>
+          <a:noFill/>
+        </p:spPr>
+        <p:txBody>
+          <a:bodyPr wrap="square" rtlCol="0">
+            <a:spAutoFit/>
+          </a:bodyPr>
+          <a:lstStyle/>
+          <a:p>
+            <a:pPr marL="285750" indent="-285750">
+              <a:buFont typeface="Arial" panose="020B0604020202020204" pitchFamily="34" charset="0"/>
+              <a:buChar char="•"/>
+            </a:pPr>
+            <a:r>
+              <a:rPr lang="en-US" sz="2400" dirty="0"/>
+              <a:t>Main security for the physical system.</a:t>
+            </a:r>
+          </a:p>
+          <a:p>
+            <a:pPr marL="285750" indent="-285750">
+              <a:buFont typeface="Arial" panose="020B0604020202020204" pitchFamily="34" charset="0"/>
+              <a:buChar char="•"/>
+            </a:pPr>
+            <a:endParaRPr lang="en-US" sz="2400" dirty="0"/>
+          </a:p>
+          <a:p>
+            <a:pPr marL="285750" indent="-285750">
+              <a:buFont typeface="Arial" panose="020B0604020202020204" pitchFamily="34" charset="0"/>
+              <a:buChar char="•"/>
+            </a:pPr>
+            <a:r>
+              <a:rPr lang="en-US" sz="2400" dirty="0"/>
+              <a:t>Locks for each of the drawer, and for each of the compartments.</a:t>
+            </a:r>
+          </a:p>
+          <a:p>
+            <a:pPr marL="285750" indent="-285750">
+              <a:buFont typeface="Arial" panose="020B0604020202020204" pitchFamily="34" charset="0"/>
+              <a:buChar char="•"/>
+            </a:pPr>
+            <a:endParaRPr lang="en-US" sz="2400" dirty="0"/>
+          </a:p>
+          <a:p>
+            <a:pPr marL="285750" indent="-285750">
+              <a:buFont typeface="Arial" panose="020B0604020202020204" pitchFamily="34" charset="0"/>
+              <a:buChar char="•"/>
+            </a:pPr>
+            <a:r>
+              <a:rPr lang="en-US" sz="2400" dirty="0"/>
+              <a:t>The drawers will require more strength, since they are directly exposed and easy to grab a hold of.</a:t>
+            </a:r>
+          </a:p>
+          <a:p>
+            <a:pPr marL="285750" indent="-285750">
+              <a:buFont typeface="Arial" panose="020B0604020202020204" pitchFamily="34" charset="0"/>
+              <a:buChar char="•"/>
+            </a:pPr>
+            <a:endParaRPr lang="en-US" sz="2400" dirty="0"/>
+          </a:p>
+          <a:p>
+            <a:pPr marL="285750" indent="-285750">
+              <a:buFont typeface="Arial" panose="020B0604020202020204" pitchFamily="34" charset="0"/>
+              <a:buChar char="•"/>
+            </a:pPr>
+            <a:r>
+              <a:rPr lang="en-US" sz="2400" dirty="0"/>
+              <a:t>Needs to stay lock when power is lost.</a:t>
+            </a:r>
+          </a:p>
+        </p:txBody>
+      </p:sp>
+    </p:spTree>
+    <p:extLst>
+      <p:ext uri="{BB962C8B-B14F-4D97-AF65-F5344CB8AC3E}">
+        <p14:creationId xmlns:p14="http://schemas.microsoft.com/office/powerpoint/2010/main" val="4178684860"/>
+      </p:ext>
+    </p:extLst>
+  </p:cSld>
+  <p:clrMapOvr>
+    <a:masterClrMapping/>
+  </p:clrMapOvr>
+</p:sld>
+</file>
+
+<file path=ppt/slides/slide13.xml><?xml version="1.0" encoding="utf-8"?>
+<p:sld xmlns:a="http://schemas.openxmlformats.org/drawingml/2006/main" xmlns:r="http://schemas.openxmlformats.org/officeDocument/2006/relationships" xmlns:p="http://schemas.openxmlformats.org/presentationml/2006/main">
+  <p:cSld>
+    <p:spTree>
+      <p:nvGrpSpPr>
+        <p:cNvPr id="1" name=""/>
+        <p:cNvGrpSpPr/>
+        <p:nvPr/>
+      </p:nvGrpSpPr>
+      <p:grpSpPr>
+        <a:xfrm>
+          <a:off x="0" y="0"/>
+          <a:ext cx="0" cy="0"/>
+          <a:chOff x="0" y="0"/>
+          <a:chExt cx="0" cy="0"/>
+        </a:xfrm>
+      </p:grpSpPr>
+      <p:sp>
+        <p:nvSpPr>
+          <p:cNvPr id="2" name="Title 1">
+            <a:extLst>
+              <a:ext uri="{FF2B5EF4-FFF2-40B4-BE49-F238E27FC236}">
+                <a16:creationId xmlns:a16="http://schemas.microsoft.com/office/drawing/2014/main" id="{2A23DCD2-B921-47B3-8CF3-33BE6FAACD34}"/>
+              </a:ext>
+            </a:extLst>
+          </p:cNvPr>
+          <p:cNvSpPr>
+            <a:spLocks noGrp="1"/>
+          </p:cNvSpPr>
+          <p:nvPr>
+            <p:ph type="title"/>
+          </p:nvPr>
+        </p:nvSpPr>
+        <p:spPr/>
+        <p:txBody>
+          <a:bodyPr/>
+          <a:lstStyle/>
+          <a:p>
+            <a:r>
+              <a:rPr lang="en-US" dirty="0"/>
+              <a:t>LEDs and Indicators </a:t>
+            </a:r>
+          </a:p>
+        </p:txBody>
+      </p:sp>
+      <p:sp>
+        <p:nvSpPr>
+          <p:cNvPr id="3" name="Content Placeholder 2">
+            <a:extLst>
+              <a:ext uri="{FF2B5EF4-FFF2-40B4-BE49-F238E27FC236}">
+                <a16:creationId xmlns:a16="http://schemas.microsoft.com/office/drawing/2014/main" id="{6FCB023A-9F7A-4E81-B615-F471DC06B60C}"/>
+              </a:ext>
+            </a:extLst>
+          </p:cNvPr>
+          <p:cNvSpPr>
+            <a:spLocks noGrp="1"/>
+          </p:cNvSpPr>
+          <p:nvPr>
+            <p:ph idx="1"/>
+          </p:nvPr>
+        </p:nvSpPr>
+        <p:spPr>
+          <a:xfrm>
+            <a:off x="4820575" y="2096064"/>
+            <a:ext cx="6446981" cy="3695136"/>
+          </a:xfrm>
+        </p:spPr>
+        <p:txBody>
+          <a:bodyPr>
+            <a:normAutofit fontScale="92500" lnSpcReduction="20000"/>
+          </a:bodyPr>
+          <a:lstStyle/>
+          <a:p>
+            <a:r>
+              <a:rPr lang="en-US" dirty="0"/>
+              <a:t>To assist the user, both the operator and the consumer, there will be a series of LED indicators guiding them to the designated compartment.</a:t>
+            </a:r>
+          </a:p>
+          <a:p>
+            <a:endParaRPr lang="en-US" dirty="0"/>
+          </a:p>
+          <a:p>
+            <a:r>
+              <a:rPr lang="en-US" dirty="0"/>
+              <a:t>User Mode (For Consumer):</a:t>
+            </a:r>
+          </a:p>
+          <a:p>
+            <a:pPr lvl="1"/>
+            <a:r>
+              <a:rPr lang="en-US" dirty="0"/>
+              <a:t>After successfully completing the rental process the LED will flash, indicating the drawer and the compartment that the item is stored.</a:t>
+            </a:r>
+          </a:p>
+          <a:p>
+            <a:pPr lvl="1"/>
+            <a:r>
+              <a:rPr lang="en-US" dirty="0"/>
+              <a:t>Once the item is removed and the compartment and drawer are closed, the LEDs turn off.</a:t>
+            </a:r>
+          </a:p>
+          <a:p>
+            <a:pPr marL="0" indent="0">
+              <a:buNone/>
+            </a:pPr>
+            <a:r>
+              <a:rPr lang="en-US" dirty="0"/>
+              <a:t>	</a:t>
+            </a:r>
+          </a:p>
+        </p:txBody>
+      </p:sp>
+    </p:spTree>
+    <p:extLst>
+      <p:ext uri="{BB962C8B-B14F-4D97-AF65-F5344CB8AC3E}">
+        <p14:creationId xmlns:p14="http://schemas.microsoft.com/office/powerpoint/2010/main" val="1362882776"/>
+      </p:ext>
+    </p:extLst>
+  </p:cSld>
+  <p:clrMapOvr>
+    <a:masterClrMapping/>
+  </p:clrMapOvr>
+</p:sld>
+</file>
+
+<file path=ppt/slides/slide14.xml><?xml version="1.0" encoding="utf-8"?>
+<p:sld xmlns:a="http://schemas.openxmlformats.org/drawingml/2006/main" xmlns:r="http://schemas.openxmlformats.org/officeDocument/2006/relationships" xmlns:p="http://schemas.openxmlformats.org/presentationml/2006/main">
+  <p:cSld>
+    <p:spTree>
+      <p:nvGrpSpPr>
+        <p:cNvPr id="1" name=""/>
+        <p:cNvGrpSpPr/>
+        <p:nvPr/>
+      </p:nvGrpSpPr>
+      <p:grpSpPr>
+        <a:xfrm>
+          <a:off x="0" y="0"/>
+          <a:ext cx="0" cy="0"/>
+          <a:chOff x="0" y="0"/>
+          <a:chExt cx="0" cy="0"/>
+        </a:xfrm>
+      </p:grpSpPr>
+      <p:sp>
+        <p:nvSpPr>
+          <p:cNvPr id="2" name="Title 1">
+            <a:extLst>
+              <a:ext uri="{FF2B5EF4-FFF2-40B4-BE49-F238E27FC236}">
                 <a16:creationId xmlns:a16="http://schemas.microsoft.com/office/drawing/2014/main" id="{91D0B8B2-FF69-9E0D-0824-883F8E0683DD}"/>
               </a:ext>
             </a:extLst>
@@ -6790,329 +7453,7 @@
 </p:sld>
 </file>
 
-<file path=ppt/slides/slide11.xml><?xml version="1.0" encoding="utf-8"?>
-<p:sld xmlns:a="http://schemas.openxmlformats.org/drawingml/2006/main" xmlns:r="http://schemas.openxmlformats.org/officeDocument/2006/relationships" xmlns:p="http://schemas.openxmlformats.org/presentationml/2006/main">
-  <p:cSld>
-    <p:spTree>
-      <p:nvGrpSpPr>
-        <p:cNvPr id="1" name=""/>
-        <p:cNvGrpSpPr/>
-        <p:nvPr/>
-      </p:nvGrpSpPr>
-      <p:grpSpPr>
-        <a:xfrm>
-          <a:off x="0" y="0"/>
-          <a:ext cx="0" cy="0"/>
-          <a:chOff x="0" y="0"/>
-          <a:chExt cx="0" cy="0"/>
-        </a:xfrm>
-      </p:grpSpPr>
-      <p:sp>
-        <p:nvSpPr>
-          <p:cNvPr id="2" name="Title 1">
-            <a:extLst>
-              <a:ext uri="{FF2B5EF4-FFF2-40B4-BE49-F238E27FC236}">
-                <a16:creationId xmlns:a16="http://schemas.microsoft.com/office/drawing/2014/main" id="{E0DF0113-6CFD-4ABA-9146-970B48F85124}"/>
-              </a:ext>
-            </a:extLst>
-          </p:cNvPr>
-          <p:cNvSpPr>
-            <a:spLocks noGrp="1"/>
-          </p:cNvSpPr>
-          <p:nvPr>
-            <p:ph type="title"/>
-          </p:nvPr>
-        </p:nvSpPr>
-        <p:spPr/>
-        <p:txBody>
-          <a:bodyPr/>
-          <a:lstStyle/>
-          <a:p>
-            <a:r>
-              <a:rPr lang="en-US" dirty="0"/>
-              <a:t>Locks</a:t>
-            </a:r>
-          </a:p>
-        </p:txBody>
-      </p:sp>
-      <p:pic>
-        <p:nvPicPr>
-          <p:cNvPr id="2050" name="Picture 2" descr="See the source image">
-            <a:extLst>
-              <a:ext uri="{FF2B5EF4-FFF2-40B4-BE49-F238E27FC236}">
-                <a16:creationId xmlns:a16="http://schemas.microsoft.com/office/drawing/2014/main" id="{842D7784-1164-44DB-8DE2-012854C1327D}"/>
-              </a:ext>
-            </a:extLst>
-          </p:cNvPr>
-          <p:cNvPicPr>
-            <a:picLocks noGrp="1" noChangeAspect="1" noChangeArrowheads="1"/>
-          </p:cNvPicPr>
-          <p:nvPr>
-            <p:ph idx="1"/>
-          </p:nvPr>
-        </p:nvPicPr>
-        <p:blipFill>
-          <a:blip r:embed="rId2">
-            <a:extLst>
-              <a:ext uri="{28A0092B-C50C-407E-A947-70E740481C1C}">
-                <a14:useLocalDpi xmlns:a14="http://schemas.microsoft.com/office/drawing/2010/main" val="0"/>
-              </a:ext>
-            </a:extLst>
-          </a:blip>
-          <a:srcRect/>
-          <a:stretch>
-            <a:fillRect/>
-          </a:stretch>
-        </p:blipFill>
-        <p:spPr bwMode="auto">
-          <a:xfrm>
-            <a:off x="7430471" y="1581150"/>
-            <a:ext cx="3695700" cy="3695700"/>
-          </a:xfrm>
-          <a:prstGeom prst="rect">
-            <a:avLst/>
-          </a:prstGeom>
-          <a:noFill/>
-          <a:extLst>
-            <a:ext uri="{909E8E84-426E-40DD-AFC4-6F175D3DCCD1}">
-              <a14:hiddenFill xmlns:a14="http://schemas.microsoft.com/office/drawing/2010/main">
-                <a:solidFill>
-                  <a:srgbClr val="FFFFFF"/>
-                </a:solidFill>
-              </a14:hiddenFill>
-            </a:ext>
-          </a:extLst>
-        </p:spPr>
-      </p:pic>
-      <p:sp>
-        <p:nvSpPr>
-          <p:cNvPr id="4" name="TextBox 3">
-            <a:extLst>
-              <a:ext uri="{FF2B5EF4-FFF2-40B4-BE49-F238E27FC236}">
-                <a16:creationId xmlns:a16="http://schemas.microsoft.com/office/drawing/2014/main" id="{E49B8D97-B0B4-4BF3-BA4A-2F0766D25D8E}"/>
-              </a:ext>
-            </a:extLst>
-          </p:cNvPr>
-          <p:cNvSpPr txBox="1"/>
-          <p:nvPr/>
-        </p:nvSpPr>
-        <p:spPr>
-          <a:xfrm>
-            <a:off x="393290" y="1904581"/>
-            <a:ext cx="5810865" cy="3785652"/>
-          </a:xfrm>
-          <a:prstGeom prst="rect">
-            <a:avLst/>
-          </a:prstGeom>
-          <a:noFill/>
-        </p:spPr>
-        <p:txBody>
-          <a:bodyPr wrap="square" rtlCol="0">
-            <a:spAutoFit/>
-          </a:bodyPr>
-          <a:lstStyle/>
-          <a:p>
-            <a:pPr marL="285750" indent="-285750">
-              <a:buFont typeface="Arial" panose="020B0604020202020204" pitchFamily="34" charset="0"/>
-              <a:buChar char="•"/>
-            </a:pPr>
-            <a:r>
-              <a:rPr lang="en-US" sz="2400" dirty="0"/>
-              <a:t>Main security for the physical system.</a:t>
-            </a:r>
-          </a:p>
-          <a:p>
-            <a:pPr marL="285750" indent="-285750">
-              <a:buFont typeface="Arial" panose="020B0604020202020204" pitchFamily="34" charset="0"/>
-              <a:buChar char="•"/>
-            </a:pPr>
-            <a:endParaRPr lang="en-US" sz="2400" dirty="0"/>
-          </a:p>
-          <a:p>
-            <a:pPr marL="285750" indent="-285750">
-              <a:buFont typeface="Arial" panose="020B0604020202020204" pitchFamily="34" charset="0"/>
-              <a:buChar char="•"/>
-            </a:pPr>
-            <a:r>
-              <a:rPr lang="en-US" sz="2400" dirty="0"/>
-              <a:t>Locks for each of the drawer, and for each of the compartments.</a:t>
-            </a:r>
-          </a:p>
-          <a:p>
-            <a:pPr marL="285750" indent="-285750">
-              <a:buFont typeface="Arial" panose="020B0604020202020204" pitchFamily="34" charset="0"/>
-              <a:buChar char="•"/>
-            </a:pPr>
-            <a:endParaRPr lang="en-US" sz="2400" dirty="0"/>
-          </a:p>
-          <a:p>
-            <a:pPr marL="285750" indent="-285750">
-              <a:buFont typeface="Arial" panose="020B0604020202020204" pitchFamily="34" charset="0"/>
-              <a:buChar char="•"/>
-            </a:pPr>
-            <a:r>
-              <a:rPr lang="en-US" sz="2400" dirty="0"/>
-              <a:t>The drawers will require more strength, since they are directly exposed and easy to grab a hold of.</a:t>
-            </a:r>
-          </a:p>
-          <a:p>
-            <a:pPr marL="285750" indent="-285750">
-              <a:buFont typeface="Arial" panose="020B0604020202020204" pitchFamily="34" charset="0"/>
-              <a:buChar char="•"/>
-            </a:pPr>
-            <a:endParaRPr lang="en-US" sz="2400" dirty="0"/>
-          </a:p>
-          <a:p>
-            <a:pPr marL="285750" indent="-285750">
-              <a:buFont typeface="Arial" panose="020B0604020202020204" pitchFamily="34" charset="0"/>
-              <a:buChar char="•"/>
-            </a:pPr>
-            <a:r>
-              <a:rPr lang="en-US" sz="2400" dirty="0"/>
-              <a:t>Needs to stay lock when power is lost.</a:t>
-            </a:r>
-          </a:p>
-        </p:txBody>
-      </p:sp>
-    </p:spTree>
-    <p:extLst>
-      <p:ext uri="{BB962C8B-B14F-4D97-AF65-F5344CB8AC3E}">
-        <p14:creationId xmlns:p14="http://schemas.microsoft.com/office/powerpoint/2010/main" val="4178684860"/>
-      </p:ext>
-    </p:extLst>
-  </p:cSld>
-  <p:clrMapOvr>
-    <a:masterClrMapping/>
-  </p:clrMapOvr>
-</p:sld>
-</file>
-
-<file path=ppt/slides/slide12.xml><?xml version="1.0" encoding="utf-8"?>
-<p:sld xmlns:a="http://schemas.openxmlformats.org/drawingml/2006/main" xmlns:r="http://schemas.openxmlformats.org/officeDocument/2006/relationships" xmlns:p="http://schemas.openxmlformats.org/presentationml/2006/main">
-  <p:cSld>
-    <p:spTree>
-      <p:nvGrpSpPr>
-        <p:cNvPr id="1" name=""/>
-        <p:cNvGrpSpPr/>
-        <p:nvPr/>
-      </p:nvGrpSpPr>
-      <p:grpSpPr>
-        <a:xfrm>
-          <a:off x="0" y="0"/>
-          <a:ext cx="0" cy="0"/>
-          <a:chOff x="0" y="0"/>
-          <a:chExt cx="0" cy="0"/>
-        </a:xfrm>
-      </p:grpSpPr>
-      <p:sp>
-        <p:nvSpPr>
-          <p:cNvPr id="2" name="Title 1">
-            <a:extLst>
-              <a:ext uri="{FF2B5EF4-FFF2-40B4-BE49-F238E27FC236}">
-                <a16:creationId xmlns:a16="http://schemas.microsoft.com/office/drawing/2014/main" id="{2A23DCD2-B921-47B3-8CF3-33BE6FAACD34}"/>
-              </a:ext>
-            </a:extLst>
-          </p:cNvPr>
-          <p:cNvSpPr>
-            <a:spLocks noGrp="1"/>
-          </p:cNvSpPr>
-          <p:nvPr>
-            <p:ph type="title"/>
-          </p:nvPr>
-        </p:nvSpPr>
-        <p:spPr/>
-        <p:txBody>
-          <a:bodyPr/>
-          <a:lstStyle/>
-          <a:p>
-            <a:r>
-              <a:rPr lang="en-US" dirty="0"/>
-              <a:t>LEDs and Indicators </a:t>
-            </a:r>
-          </a:p>
-        </p:txBody>
-      </p:sp>
-      <p:sp>
-        <p:nvSpPr>
-          <p:cNvPr id="3" name="Content Placeholder 2">
-            <a:extLst>
-              <a:ext uri="{FF2B5EF4-FFF2-40B4-BE49-F238E27FC236}">
-                <a16:creationId xmlns:a16="http://schemas.microsoft.com/office/drawing/2014/main" id="{6FCB023A-9F7A-4E81-B615-F471DC06B60C}"/>
-              </a:ext>
-            </a:extLst>
-          </p:cNvPr>
-          <p:cNvSpPr>
-            <a:spLocks noGrp="1"/>
-          </p:cNvSpPr>
-          <p:nvPr>
-            <p:ph idx="1"/>
-          </p:nvPr>
-        </p:nvSpPr>
-        <p:spPr>
-          <a:xfrm>
-            <a:off x="4820575" y="2096064"/>
-            <a:ext cx="6446981" cy="3695136"/>
-          </a:xfrm>
-        </p:spPr>
-        <p:txBody>
-          <a:bodyPr>
-            <a:normAutofit fontScale="92500" lnSpcReduction="20000"/>
-          </a:bodyPr>
-          <a:lstStyle/>
-          <a:p>
-            <a:r>
-              <a:rPr lang="en-US" dirty="0"/>
-              <a:t>To assist the user, both the operator and the consumer, there will be a series of LED indicators guiding them to the designated compartment.</a:t>
-            </a:r>
-          </a:p>
-          <a:p>
-            <a:endParaRPr lang="en-US" dirty="0"/>
-          </a:p>
-          <a:p>
-            <a:r>
-              <a:rPr lang="en-US" dirty="0"/>
-              <a:t>User Mode (For Consumer):</a:t>
-            </a:r>
-          </a:p>
-          <a:p>
-            <a:pPr lvl="1"/>
-            <a:r>
-              <a:rPr lang="en-US" dirty="0"/>
-              <a:t>After successfully completing the rental process the LED will flash, indicating the drawer and the compartment that the item is stored.</a:t>
-            </a:r>
-          </a:p>
-          <a:p>
-            <a:pPr lvl="1"/>
-            <a:r>
-              <a:rPr lang="en-US" dirty="0"/>
-              <a:t>Once the item is removed and the compartment and drawer are closed, the LEDs turn off.</a:t>
-            </a:r>
-          </a:p>
-          <a:p>
-            <a:pPr marL="0" indent="0">
-              <a:buNone/>
-            </a:pPr>
-            <a:r>
-              <a:rPr lang="en-US" dirty="0"/>
-              <a:t>	</a:t>
-            </a:r>
-          </a:p>
-        </p:txBody>
-      </p:sp>
-    </p:spTree>
-    <p:extLst>
-      <p:ext uri="{BB962C8B-B14F-4D97-AF65-F5344CB8AC3E}">
-        <p14:creationId xmlns:p14="http://schemas.microsoft.com/office/powerpoint/2010/main" val="1362882776"/>
-      </p:ext>
-    </p:extLst>
-  </p:cSld>
-  <p:clrMapOvr>
-    <a:masterClrMapping/>
-  </p:clrMapOvr>
-</p:sld>
-</file>
-
-<file path=ppt/slides/slide13.xml><?xml version="1.0" encoding="utf-8"?>
+<file path=ppt/slides/slide15.xml><?xml version="1.0" encoding="utf-8"?>
 <p:sld xmlns:a="http://schemas.openxmlformats.org/drawingml/2006/main" xmlns:r="http://schemas.openxmlformats.org/officeDocument/2006/relationships" xmlns:p="http://schemas.openxmlformats.org/presentationml/2006/main">
   <p:cSld>
     <p:spTree>
@@ -7276,7 +7617,7 @@
 </p:sld>
 </file>
 
-<file path=ppt/slides/slide14.xml><?xml version="1.0" encoding="utf-8"?>
+<file path=ppt/slides/slide16.xml><?xml version="1.0" encoding="utf-8"?>
 <p:sld xmlns:a="http://schemas.openxmlformats.org/drawingml/2006/main" xmlns:r="http://schemas.openxmlformats.org/officeDocument/2006/relationships" xmlns:p="http://schemas.openxmlformats.org/presentationml/2006/main">
   <p:cSld>
     <p:spTree>
@@ -7561,7 +7902,7 @@
 </p:sld>
 </file>
 
-<file path=ppt/slides/slide15.xml><?xml version="1.0" encoding="utf-8"?>
+<file path=ppt/slides/slide17.xml><?xml version="1.0" encoding="utf-8"?>
 <p:sld xmlns:a="http://schemas.openxmlformats.org/drawingml/2006/main" xmlns:r="http://schemas.openxmlformats.org/officeDocument/2006/relationships" xmlns:p="http://schemas.openxmlformats.org/presentationml/2006/main">
   <p:cSld>
     <p:bg>
@@ -7755,7 +8096,7 @@
 </p:sld>
 </file>
 
-<file path=ppt/slides/slide16.xml><?xml version="1.0" encoding="utf-8"?>
+<file path=ppt/slides/slide18.xml><?xml version="1.0" encoding="utf-8"?>
 <p:sld xmlns:a="http://schemas.openxmlformats.org/drawingml/2006/main" xmlns:r="http://schemas.openxmlformats.org/officeDocument/2006/relationships" xmlns:p="http://schemas.openxmlformats.org/presentationml/2006/main">
   <p:cSld>
     <p:spTree>
@@ -10561,7 +10902,7 @@
             </a:pPr>
             <a:r>
               <a:rPr lang="en-US" dirty="0"/>
-              <a:t>UI</a:t>
+              <a:t>Locks</a:t>
             </a:r>
           </a:p>
           <a:p>
@@ -10571,7 +10912,7 @@
             </a:pPr>
             <a:r>
               <a:rPr lang="en-US" dirty="0"/>
-              <a:t>Locks</a:t>
+              <a:t>Indication</a:t>
             </a:r>
           </a:p>
           <a:p>
@@ -10581,7 +10922,7 @@
             </a:pPr>
             <a:r>
               <a:rPr lang="en-US" dirty="0"/>
-              <a:t>Indication</a:t>
+              <a:t>Timer System</a:t>
             </a:r>
           </a:p>
           <a:p>
@@ -10591,7 +10932,7 @@
             </a:pPr>
             <a:r>
               <a:rPr lang="en-US" dirty="0"/>
-              <a:t>Timer System</a:t>
+              <a:t>Sensors (Addressed later)</a:t>
             </a:r>
           </a:p>
           <a:p>
@@ -10601,17 +10942,17 @@
             </a:pPr>
             <a:r>
               <a:rPr lang="en-US" dirty="0"/>
-              <a:t>Sensors (Addressed later)</a:t>
+              <a:t>Motor</a:t>
             </a:r>
           </a:p>
         </p:txBody>
       </p:sp>
       <p:pic>
         <p:nvPicPr>
-          <p:cNvPr id="5" name="Picture 4">
+          <p:cNvPr id="6" name="Picture 5">
             <a:extLst>
               <a:ext uri="{FF2B5EF4-FFF2-40B4-BE49-F238E27FC236}">
-                <a16:creationId xmlns:a16="http://schemas.microsoft.com/office/drawing/2014/main" id="{B65F95CD-1E7B-22C8-F411-4BFBA6EEDE47}"/>
+                <a16:creationId xmlns:a16="http://schemas.microsoft.com/office/drawing/2014/main" id="{E259BBEE-44BE-F0CD-C81E-EEB66951886A}"/>
               </a:ext>
             </a:extLst>
           </p:cNvPr>
@@ -10634,8 +10975,8 @@
         </p:blipFill>
         <p:spPr>
           <a:xfrm>
-            <a:off x="5793731" y="1935921"/>
-            <a:ext cx="4638741" cy="4020243"/>
+            <a:off x="5917129" y="1935921"/>
+            <a:ext cx="3842737" cy="3313777"/>
           </a:xfrm>
           <a:prstGeom prst="rect">
             <a:avLst/>
@@ -10677,7 +11018,7 @@
           <p:cNvPr id="2" name="Title 1">
             <a:extLst>
               <a:ext uri="{FF2B5EF4-FFF2-40B4-BE49-F238E27FC236}">
-                <a16:creationId xmlns:a16="http://schemas.microsoft.com/office/drawing/2014/main" id="{ED06DF13-B997-3779-B0C2-02553D679DF6}"/>
+                <a16:creationId xmlns:a16="http://schemas.microsoft.com/office/drawing/2014/main" id="{E218C19F-0087-99D0-E5BD-9E43182FF5FF}"/>
               </a:ext>
             </a:extLst>
           </p:cNvPr>
@@ -10695,7 +11036,7 @@
           <a:p>
             <a:r>
               <a:rPr lang="en-US" dirty="0"/>
-              <a:t>Plc / Control</a:t>
+              <a:t>Why a plc &amp; a microcomputer?</a:t>
             </a:r>
           </a:p>
         </p:txBody>
@@ -10705,7 +11046,7 @@
           <p:cNvPr id="3" name="Content Placeholder 2">
             <a:extLst>
               <a:ext uri="{FF2B5EF4-FFF2-40B4-BE49-F238E27FC236}">
-                <a16:creationId xmlns:a16="http://schemas.microsoft.com/office/drawing/2014/main" id="{B96D4A40-2A41-1B21-3241-5E403C1825FF}"/>
+                <a16:creationId xmlns:a16="http://schemas.microsoft.com/office/drawing/2014/main" id="{3F4A4EBE-B1F4-CA28-070B-BF126B5CE444}"/>
               </a:ext>
             </a:extLst>
           </p:cNvPr>
@@ -10716,56 +11057,123 @@
             <p:ph idx="1"/>
           </p:nvPr>
         </p:nvSpPr>
-        <p:spPr/>
+        <p:spPr>
+          <a:xfrm>
+            <a:off x="913795" y="2096064"/>
+            <a:ext cx="10353762" cy="4406336"/>
+          </a:xfrm>
+        </p:spPr>
         <p:txBody>
           <a:bodyPr/>
           <a:lstStyle/>
           <a:p>
             <a:r>
               <a:rPr lang="en-US" dirty="0"/>
-              <a:t>PLC</a:t>
-            </a:r>
+              <a:t>PLC’s “run-to-completion” step is </a:t>
+            </a:r>
+            <a:r>
+              <a:rPr lang="en-US" b="1" dirty="0"/>
+              <a:t>Cycle-Driven!</a:t>
+            </a:r>
+            <a:endParaRPr lang="en-US" dirty="0"/>
           </a:p>
           <a:p>
             <a:pPr lvl="1"/>
             <a:r>
               <a:rPr lang="en-US" dirty="0"/>
-              <a:t>Powered from wall outlet</a:t>
+              <a:t>Will </a:t>
+            </a:r>
+            <a:r>
+              <a:rPr lang="en-US" b="1" dirty="0"/>
+              <a:t>always</a:t>
+            </a:r>
+            <a:r>
+              <a:rPr lang="en-US" dirty="0"/>
+              <a:t> scan its code on a given interval (ex. every 100ms)</a:t>
             </a:r>
           </a:p>
           <a:p>
             <a:pPr lvl="1"/>
             <a:r>
               <a:rPr lang="en-US" dirty="0"/>
-              <a:t>Outputs to Control</a:t>
-            </a:r>
-          </a:p>
-          <a:p>
+              <a:t>A microcomputer is </a:t>
+            </a:r>
+            <a:r>
+              <a:rPr lang="en-US" b="1" dirty="0"/>
+              <a:t>event-driven</a:t>
+            </a:r>
             <a:r>
               <a:rPr lang="en-US" dirty="0"/>
-              <a:t>Control</a:t>
-            </a:r>
+              <a:t>: will complete its scan once an event is activated</a:t>
+            </a:r>
+          </a:p>
+          <a:p>
+            <a:pPr lvl="2"/>
+            <a:r>
+              <a:rPr lang="en-US" dirty="0"/>
+              <a:t>Could be </a:t>
+            </a:r>
+            <a:r>
+              <a:rPr lang="en-US" b="1" dirty="0"/>
+              <a:t>SIGNIFICANTLY</a:t>
+            </a:r>
+            <a:r>
+              <a:rPr lang="en-US" dirty="0"/>
+              <a:t> longer</a:t>
+            </a:r>
+          </a:p>
+          <a:p>
+            <a:r>
+              <a:rPr lang="en-US" dirty="0"/>
+              <a:t>PLCs are used in industry specifically for </a:t>
+            </a:r>
+            <a:r>
+              <a:rPr lang="en-US" b="1" dirty="0"/>
+              <a:t>control technology</a:t>
+            </a:r>
+            <a:endParaRPr lang="en-US" dirty="0"/>
           </a:p>
           <a:p>
             <a:pPr lvl="1"/>
             <a:r>
               <a:rPr lang="en-US" dirty="0"/>
-              <a:t>Hardware control</a:t>
+              <a:t>Almost all hardware in industry can be easily controlled by PLCs</a:t>
             </a:r>
           </a:p>
           <a:p>
             <a:pPr lvl="1"/>
             <a:r>
               <a:rPr lang="en-US" dirty="0"/>
-              <a:t>Outputs to Sensors, UI, Locks, Timer System, Indication System</a:t>
-            </a:r>
+              <a:t>Makes controlling fewer components much more simple</a:t>
+            </a:r>
+          </a:p>
+          <a:p>
+            <a:r>
+              <a:rPr lang="en-US" dirty="0"/>
+              <a:t>If PLCs can do this, why not use it for a database?</a:t>
+            </a:r>
+          </a:p>
+          <a:p>
+            <a:pPr lvl="1"/>
+            <a:r>
+              <a:rPr lang="en-US" dirty="0"/>
+              <a:t>PLCs aren’t good with sharing a lot of data, except for HMIs and DAQs</a:t>
+            </a:r>
+          </a:p>
+          <a:p>
+            <a:pPr lvl="1"/>
+            <a:r>
+              <a:rPr lang="en-US"/>
+              <a:t>Can’t understand SQL</a:t>
+            </a:r>
+            <a:endParaRPr lang="en-US" dirty="0"/>
           </a:p>
         </p:txBody>
       </p:sp>
     </p:spTree>
     <p:extLst>
       <p:ext uri="{BB962C8B-B14F-4D97-AF65-F5344CB8AC3E}">
-        <p14:creationId xmlns:p14="http://schemas.microsoft.com/office/powerpoint/2010/main" val="276615668"/>
+        <p14:creationId xmlns:p14="http://schemas.microsoft.com/office/powerpoint/2010/main" val="2954773412"/>
       </p:ext>
     </p:extLst>
   </p:cSld>
@@ -10797,7 +11205,7 @@
           <p:cNvPr id="2" name="Title 1">
             <a:extLst>
               <a:ext uri="{FF2B5EF4-FFF2-40B4-BE49-F238E27FC236}">
-                <a16:creationId xmlns:a16="http://schemas.microsoft.com/office/drawing/2014/main" id="{0B4399A8-B7F2-09F1-D93B-B48C6ECDE513}"/>
+                <a16:creationId xmlns:a16="http://schemas.microsoft.com/office/drawing/2014/main" id="{ED06DF13-B997-3779-B0C2-02553D679DF6}"/>
               </a:ext>
             </a:extLst>
           </p:cNvPr>
@@ -10815,7 +11223,7 @@
           <a:p>
             <a:r>
               <a:rPr lang="en-US" dirty="0"/>
-              <a:t>Hardware subsystems</a:t>
+              <a:t>Plc Control / Hardware</a:t>
             </a:r>
           </a:p>
         </p:txBody>
@@ -10825,7 +11233,7 @@
           <p:cNvPr id="3" name="Content Placeholder 2">
             <a:extLst>
               <a:ext uri="{FF2B5EF4-FFF2-40B4-BE49-F238E27FC236}">
-                <a16:creationId xmlns:a16="http://schemas.microsoft.com/office/drawing/2014/main" id="{B6209692-1DBF-4C1B-A7CD-DFEAF1CA225A}"/>
+                <a16:creationId xmlns:a16="http://schemas.microsoft.com/office/drawing/2014/main" id="{B96D4A40-2A41-1B21-3241-5E403C1825FF}"/>
               </a:ext>
             </a:extLst>
           </p:cNvPr>
@@ -10833,148 +11241,140 @@
             <a:spLocks noGrp="1"/>
           </p:cNvSpPr>
           <p:nvPr>
-            <p:ph sz="half" idx="1"/>
-          </p:nvPr>
-        </p:nvSpPr>
-        <p:spPr/>
+            <p:ph idx="1"/>
+          </p:nvPr>
+        </p:nvSpPr>
+        <p:spPr>
+          <a:xfrm>
+            <a:off x="308814" y="2072973"/>
+            <a:ext cx="5934967" cy="3695136"/>
+          </a:xfrm>
+        </p:spPr>
         <p:txBody>
           <a:bodyPr>
-            <a:normAutofit lnSpcReduction="10000"/>
+            <a:normAutofit/>
           </a:bodyPr>
           <a:lstStyle/>
           <a:p>
             <a:r>
               <a:rPr lang="en-US" dirty="0"/>
-              <a:t>UI</a:t>
+              <a:t>PLC Constraints</a:t>
             </a:r>
           </a:p>
           <a:p>
             <a:pPr lvl="1"/>
             <a:r>
               <a:rPr lang="en-US" dirty="0"/>
-              <a:t>Communicates with Pi and PLC to create display and store info in database</a:t>
-            </a:r>
-          </a:p>
-          <a:p>
-            <a:pPr marL="457200" lvl="1" indent="0">
-              <a:buNone/>
-            </a:pPr>
-            <a:endParaRPr lang="en-US" dirty="0"/>
-          </a:p>
-          <a:p>
-            <a:pPr marL="457200" lvl="1" indent="0">
-              <a:buNone/>
-            </a:pPr>
-            <a:endParaRPr lang="en-US" dirty="0"/>
-          </a:p>
-          <a:p>
+              <a:t>ii(1) Must interface with the locks and LEDs</a:t>
+            </a:r>
+          </a:p>
+          <a:p>
+            <a:pPr lvl="1"/>
             <a:r>
               <a:rPr lang="en-US" dirty="0"/>
-              <a:t>Locks</a:t>
+              <a:t>ii(2) Must control the step voltage of the motor(s)</a:t>
             </a:r>
           </a:p>
           <a:p>
             <a:pPr lvl="1"/>
             <a:r>
               <a:rPr lang="en-US" dirty="0"/>
-              <a:t>Most likely solenoid (Proposed by </a:t>
-            </a:r>
-            <a:r>
-              <a:rPr lang="en-US" dirty="0" err="1"/>
-              <a:t>MechE</a:t>
-            </a:r>
+              <a:t>ii(3) Must communicate with the microcomputer</a:t>
+            </a:r>
+          </a:p>
+          <a:p>
+            <a:pPr lvl="1"/>
             <a:r>
               <a:rPr lang="en-US" dirty="0"/>
-              <a:t> team)</a:t>
+              <a:t>ii(4) Must know the device occupancy of each drawer</a:t>
             </a:r>
           </a:p>
           <a:p>
             <a:pPr lvl="1"/>
             <a:r>
               <a:rPr lang="en-US" dirty="0"/>
-              <a:t>Powered by DC voltage</a:t>
-            </a:r>
-          </a:p>
-          <a:p>
-            <a:pPr lvl="1"/>
-            <a:endParaRPr lang="en-US" dirty="0"/>
-          </a:p>
-        </p:txBody>
-      </p:sp>
-      <p:sp>
-        <p:nvSpPr>
-          <p:cNvPr id="4" name="Content Placeholder 3">
+              <a:t>ii(5) Must have a timer system</a:t>
+            </a:r>
+          </a:p>
+        </p:txBody>
+      </p:sp>
+      <p:sp>
+        <p:nvSpPr>
+          <p:cNvPr id="4" name="TextBox 3">
             <a:extLst>
               <a:ext uri="{FF2B5EF4-FFF2-40B4-BE49-F238E27FC236}">
-                <a16:creationId xmlns:a16="http://schemas.microsoft.com/office/drawing/2014/main" id="{C77EC574-A4B4-D878-5ABC-E998FB6A392B}"/>
+                <a16:creationId xmlns:a16="http://schemas.microsoft.com/office/drawing/2014/main" id="{E29968BC-F029-FE84-57DB-77644404F9C5}"/>
               </a:ext>
             </a:extLst>
           </p:cNvPr>
-          <p:cNvSpPr>
-            <a:spLocks noGrp="1"/>
-          </p:cNvSpPr>
-          <p:nvPr>
-            <p:ph sz="half" idx="2"/>
-          </p:nvPr>
-        </p:nvSpPr>
-        <p:spPr/>
-        <p:txBody>
-          <a:bodyPr>
-            <a:normAutofit lnSpcReduction="10000"/>
+          <p:cNvSpPr txBox="1"/>
+          <p:nvPr/>
+        </p:nvSpPr>
+        <p:spPr>
+          <a:xfrm>
+            <a:off x="6054435" y="2072973"/>
+            <a:ext cx="5735783" cy="2166042"/>
+          </a:xfrm>
+          <a:prstGeom prst="rect">
+            <a:avLst/>
+          </a:prstGeom>
+          <a:noFill/>
+        </p:spPr>
+        <p:txBody>
+          <a:bodyPr wrap="square" rtlCol="0">
+            <a:spAutoFit/>
           </a:bodyPr>
           <a:lstStyle/>
           <a:p>
+            <a:pPr marL="285750" indent="-285750">
+              <a:lnSpc>
+                <a:spcPct val="150000"/>
+              </a:lnSpc>
+              <a:buFont typeface="Arial" panose="020B0604020202020204" pitchFamily="34" charset="0"/>
+              <a:buChar char="•"/>
+            </a:pPr>
+            <a:r>
+              <a:rPr lang="en-US" sz="2000" dirty="0"/>
+              <a:t>Hardware</a:t>
+            </a:r>
+          </a:p>
+          <a:p>
+            <a:pPr marL="742950" lvl="1" indent="-285750">
+              <a:lnSpc>
+                <a:spcPct val="150000"/>
+              </a:lnSpc>
+              <a:buFont typeface="Arial" panose="020B0604020202020204" pitchFamily="34" charset="0"/>
+              <a:buChar char="•"/>
+            </a:pPr>
             <a:r>
               <a:rPr lang="en-US" dirty="0"/>
-              <a:t>Indication System</a:t>
-            </a:r>
-          </a:p>
-          <a:p>
-            <a:pPr lvl="1"/>
+              <a:t>PLC receives power from wall outlet</a:t>
+            </a:r>
+          </a:p>
+          <a:p>
+            <a:pPr marL="742950" lvl="1" indent="-285750">
+              <a:lnSpc>
+                <a:spcPct val="150000"/>
+              </a:lnSpc>
+              <a:buFont typeface="Arial" panose="020B0604020202020204" pitchFamily="34" charset="0"/>
+              <a:buChar char="•"/>
+            </a:pPr>
             <a:r>
               <a:rPr lang="en-US" dirty="0"/>
-              <a:t>Most </a:t>
-            </a:r>
-            <a:r>
-              <a:rPr lang="en-US" dirty="0" err="1"/>
-              <a:t>likey</a:t>
-            </a:r>
+              <a:t>Hardware receives all control from the PLC</a:t>
+            </a:r>
+          </a:p>
+          <a:p>
+            <a:pPr marL="742950" lvl="1" indent="-285750">
+              <a:lnSpc>
+                <a:spcPct val="150000"/>
+              </a:lnSpc>
+              <a:buFont typeface="Arial" panose="020B0604020202020204" pitchFamily="34" charset="0"/>
+              <a:buChar char="•"/>
+            </a:pPr>
             <a:r>
               <a:rPr lang="en-US" dirty="0"/>
-              <a:t> LEDs. Will help guide student to correct drawer and compartment</a:t>
-            </a:r>
-          </a:p>
-          <a:p>
-            <a:pPr lvl="1"/>
-            <a:r>
-              <a:rPr lang="en-US" dirty="0"/>
-              <a:t>Controlled by PLC</a:t>
-            </a:r>
-          </a:p>
-          <a:p>
-            <a:pPr marL="457200" lvl="1" indent="0">
-              <a:buNone/>
-            </a:pPr>
-            <a:endParaRPr lang="en-US" dirty="0"/>
-          </a:p>
-          <a:p>
-            <a:r>
-              <a:rPr lang="en-US" dirty="0"/>
-              <a:t>Timer System</a:t>
-            </a:r>
-          </a:p>
-          <a:p>
-            <a:pPr lvl="1"/>
-            <a:r>
-              <a:rPr lang="en-US" dirty="0"/>
-              <a:t>Used to flash LEDs and unlock compartments over a predetermined duration</a:t>
-            </a:r>
-          </a:p>
-          <a:p>
-            <a:pPr lvl="1"/>
-            <a:r>
-              <a:rPr lang="en-US" dirty="0"/>
-              <a:t>Controlled by PLC</a:t>
+              <a:t>Sensors, Locks, Timer System, Indication System, Motor</a:t>
             </a:r>
           </a:p>
         </p:txBody>
@@ -10982,7 +11382,7 @@
     </p:spTree>
     <p:extLst>
       <p:ext uri="{BB962C8B-B14F-4D97-AF65-F5344CB8AC3E}">
-        <p14:creationId xmlns:p14="http://schemas.microsoft.com/office/powerpoint/2010/main" val="2058813143"/>
+        <p14:creationId xmlns:p14="http://schemas.microsoft.com/office/powerpoint/2010/main" val="276615668"/>
       </p:ext>
     </p:extLst>
   </p:cSld>

--- a/Reports/Conceptual Design.pptx
+++ b/Reports/Conceptual Design.pptx
@@ -7,10 +7,10 @@
   <p:sldIdLst>
     <p:sldId id="256" r:id="rId2"/>
     <p:sldId id="275" r:id="rId3"/>
-    <p:sldId id="263" r:id="rId4"/>
-    <p:sldId id="264" r:id="rId5"/>
-    <p:sldId id="257" r:id="rId6"/>
-    <p:sldId id="265" r:id="rId7"/>
+    <p:sldId id="264" r:id="rId4"/>
+    <p:sldId id="257" r:id="rId5"/>
+    <p:sldId id="265" r:id="rId6"/>
+    <p:sldId id="278" r:id="rId7"/>
     <p:sldId id="266" r:id="rId8"/>
     <p:sldId id="277" r:id="rId9"/>
     <p:sldId id="268" r:id="rId10"/>
@@ -8500,7 +8500,7 @@
           <p:nvPr/>
         </p:nvPicPr>
         <p:blipFill>
-          <a:blip r:embed="rId2" cstate="print">
+          <a:blip r:embed="rId2">
             <a:extLst>
               <a:ext uri="{28A0092B-C50C-407E-A947-70E740481C1C}">
                 <a14:useLocalDpi xmlns:a14="http://schemas.microsoft.com/office/drawing/2010/main" val="0"/>
@@ -8508,14 +8508,12 @@
             </a:extLst>
           </a:blip>
           <a:srcRect/>
-          <a:stretch>
-            <a:fillRect/>
-          </a:stretch>
+          <a:stretch/>
         </p:blipFill>
         <p:spPr bwMode="auto">
           <a:xfrm>
-            <a:off x="492175" y="113837"/>
-            <a:ext cx="11207649" cy="6630325"/>
+            <a:off x="1096060" y="113837"/>
+            <a:ext cx="9999879" cy="6630325"/>
           </a:xfrm>
           <a:prstGeom prst="rect">
             <a:avLst/>
@@ -8540,72 +8538,6 @@
 </file>
 
 <file path=ppt/slides/slide3.xml><?xml version="1.0" encoding="utf-8"?>
-<p:sld xmlns:a="http://schemas.openxmlformats.org/drawingml/2006/main" xmlns:r="http://schemas.openxmlformats.org/officeDocument/2006/relationships" xmlns:p="http://schemas.openxmlformats.org/presentationml/2006/main">
-  <p:cSld>
-    <p:spTree>
-      <p:nvGrpSpPr>
-        <p:cNvPr id="1" name=""/>
-        <p:cNvGrpSpPr/>
-        <p:nvPr/>
-      </p:nvGrpSpPr>
-      <p:grpSpPr>
-        <a:xfrm>
-          <a:off x="0" y="0"/>
-          <a:ext cx="0" cy="0"/>
-          <a:chOff x="0" y="0"/>
-          <a:chExt cx="0" cy="0"/>
-        </a:xfrm>
-      </p:grpSpPr>
-      <p:pic>
-        <p:nvPicPr>
-          <p:cNvPr id="5" name="Picture 4">
-            <a:extLst>
-              <a:ext uri="{FF2B5EF4-FFF2-40B4-BE49-F238E27FC236}">
-                <a16:creationId xmlns:a16="http://schemas.microsoft.com/office/drawing/2014/main" id="{913FA331-D20A-254B-56EC-7E46364920E5}"/>
-              </a:ext>
-            </a:extLst>
-          </p:cNvPr>
-          <p:cNvPicPr>
-            <a:picLocks noChangeAspect="1"/>
-          </p:cNvPicPr>
-          <p:nvPr/>
-        </p:nvPicPr>
-        <p:blipFill>
-          <a:blip r:embed="rId2">
-            <a:extLst>
-              <a:ext uri="{28A0092B-C50C-407E-A947-70E740481C1C}">
-                <a14:useLocalDpi xmlns:a14="http://schemas.microsoft.com/office/drawing/2010/main" val="0"/>
-              </a:ext>
-            </a:extLst>
-          </a:blip>
-          <a:stretch>
-            <a:fillRect/>
-          </a:stretch>
-        </p:blipFill>
-        <p:spPr>
-          <a:xfrm>
-            <a:off x="281567" y="429491"/>
-            <a:ext cx="11593057" cy="5980545"/>
-          </a:xfrm>
-          <a:prstGeom prst="rect">
-            <a:avLst/>
-          </a:prstGeom>
-        </p:spPr>
-      </p:pic>
-    </p:spTree>
-    <p:extLst>
-      <p:ext uri="{BB962C8B-B14F-4D97-AF65-F5344CB8AC3E}">
-        <p14:creationId xmlns:p14="http://schemas.microsoft.com/office/powerpoint/2010/main" val="1852615108"/>
-      </p:ext>
-    </p:extLst>
-  </p:cSld>
-  <p:clrMapOvr>
-    <a:masterClrMapping/>
-  </p:clrMapOvr>
-</p:sld>
-</file>
-
-<file path=ppt/slides/slide4.xml><?xml version="1.0" encoding="utf-8"?>
 <p:sld xmlns:a="http://schemas.openxmlformats.org/drawingml/2006/main" xmlns:r="http://schemas.openxmlformats.org/officeDocument/2006/relationships" xmlns:p="http://schemas.openxmlformats.org/presentationml/2006/main">
   <p:cSld>
     <p:spTree>
@@ -10491,6 +10423,179 @@
 </p:sld>
 </file>
 
+<file path=ppt/slides/slide4.xml><?xml version="1.0" encoding="utf-8"?>
+<p:sld xmlns:a="http://schemas.openxmlformats.org/drawingml/2006/main" xmlns:r="http://schemas.openxmlformats.org/officeDocument/2006/relationships" xmlns:p="http://schemas.openxmlformats.org/presentationml/2006/main">
+  <p:cSld>
+    <p:spTree>
+      <p:nvGrpSpPr>
+        <p:cNvPr id="1" name=""/>
+        <p:cNvGrpSpPr/>
+        <p:nvPr/>
+      </p:nvGrpSpPr>
+      <p:grpSpPr>
+        <a:xfrm>
+          <a:off x="0" y="0"/>
+          <a:ext cx="0" cy="0"/>
+          <a:chOff x="0" y="0"/>
+          <a:chExt cx="0" cy="0"/>
+        </a:xfrm>
+      </p:grpSpPr>
+      <p:sp>
+        <p:nvSpPr>
+          <p:cNvPr id="2" name="Title 1">
+            <a:extLst>
+              <a:ext uri="{FF2B5EF4-FFF2-40B4-BE49-F238E27FC236}">
+                <a16:creationId xmlns:a16="http://schemas.microsoft.com/office/drawing/2014/main" id="{E278DC42-4966-5A20-922C-B2E22A6112EF}"/>
+              </a:ext>
+            </a:extLst>
+          </p:cNvPr>
+          <p:cNvSpPr>
+            <a:spLocks noGrp="1"/>
+          </p:cNvSpPr>
+          <p:nvPr>
+            <p:ph type="title"/>
+          </p:nvPr>
+        </p:nvSpPr>
+        <p:spPr/>
+        <p:txBody>
+          <a:bodyPr/>
+          <a:lstStyle/>
+          <a:p>
+            <a:r>
+              <a:rPr lang="en-US" dirty="0"/>
+              <a:t>PC connections</a:t>
+            </a:r>
+          </a:p>
+        </p:txBody>
+      </p:sp>
+      <p:sp>
+        <p:nvSpPr>
+          <p:cNvPr id="3" name="Content Placeholder 2">
+            <a:extLst>
+              <a:ext uri="{FF2B5EF4-FFF2-40B4-BE49-F238E27FC236}">
+                <a16:creationId xmlns:a16="http://schemas.microsoft.com/office/drawing/2014/main" id="{5F1DF18B-D939-CD73-24AF-E65C109F1F98}"/>
+              </a:ext>
+            </a:extLst>
+          </p:cNvPr>
+          <p:cNvSpPr>
+            <a:spLocks noGrp="1"/>
+          </p:cNvSpPr>
+          <p:nvPr>
+            <p:ph idx="1"/>
+          </p:nvPr>
+        </p:nvSpPr>
+        <p:spPr/>
+        <p:txBody>
+          <a:bodyPr/>
+          <a:lstStyle/>
+          <a:p>
+            <a:r>
+              <a:rPr lang="en-US" dirty="0" err="1"/>
+              <a:t>miniPC</a:t>
+            </a:r>
+            <a:endParaRPr lang="en-US" dirty="0"/>
+          </a:p>
+          <a:p>
+            <a:pPr marL="457200" indent="-457200">
+              <a:buFont typeface="+mj-lt"/>
+              <a:buAutoNum type="arabicParenR"/>
+            </a:pPr>
+            <a:r>
+              <a:rPr lang="en-US" dirty="0"/>
+              <a:t>SQL Database</a:t>
+            </a:r>
+          </a:p>
+          <a:p>
+            <a:pPr marL="457200" indent="-457200">
+              <a:buFont typeface="+mj-lt"/>
+              <a:buAutoNum type="arabicParenR"/>
+            </a:pPr>
+            <a:r>
+              <a:rPr lang="en-US" dirty="0"/>
+              <a:t>Touchscreen</a:t>
+            </a:r>
+          </a:p>
+          <a:p>
+            <a:pPr marL="457200" indent="-457200">
+              <a:buFont typeface="+mj-lt"/>
+              <a:buAutoNum type="arabicParenR"/>
+            </a:pPr>
+            <a:r>
+              <a:rPr lang="en-US" dirty="0"/>
+              <a:t>Eagle Card Reader</a:t>
+            </a:r>
+          </a:p>
+          <a:p>
+            <a:pPr marL="457200" indent="-457200">
+              <a:buFont typeface="+mj-lt"/>
+              <a:buAutoNum type="arabicParenR"/>
+            </a:pPr>
+            <a:r>
+              <a:rPr lang="en-US" dirty="0"/>
+              <a:t>Ethernet</a:t>
+            </a:r>
+          </a:p>
+          <a:p>
+            <a:pPr marL="457200" indent="-457200">
+              <a:buFont typeface="+mj-lt"/>
+              <a:buAutoNum type="arabicParenR"/>
+            </a:pPr>
+            <a:r>
+              <a:rPr lang="en-US" dirty="0"/>
+              <a:t>USB</a:t>
+            </a:r>
+          </a:p>
+          <a:p>
+            <a:pPr marL="0" indent="0">
+              <a:buNone/>
+            </a:pPr>
+            <a:endParaRPr lang="en-US" dirty="0"/>
+          </a:p>
+        </p:txBody>
+      </p:sp>
+      <p:pic>
+        <p:nvPicPr>
+          <p:cNvPr id="5" name="Picture 4">
+            <a:extLst>
+              <a:ext uri="{FF2B5EF4-FFF2-40B4-BE49-F238E27FC236}">
+                <a16:creationId xmlns:a16="http://schemas.microsoft.com/office/drawing/2014/main" id="{FB5553AD-2DA7-9E80-57AB-FBBBFE25AA38}"/>
+              </a:ext>
+            </a:extLst>
+          </p:cNvPr>
+          <p:cNvPicPr>
+            <a:picLocks noChangeAspect="1"/>
+          </p:cNvPicPr>
+          <p:nvPr/>
+        </p:nvPicPr>
+        <p:blipFill>
+          <a:blip r:embed="rId2"/>
+          <a:stretch>
+            <a:fillRect/>
+          </a:stretch>
+        </p:blipFill>
+        <p:spPr>
+          <a:xfrm>
+            <a:off x="5973310" y="1935921"/>
+            <a:ext cx="4637793" cy="3642754"/>
+          </a:xfrm>
+          <a:prstGeom prst="rect">
+            <a:avLst/>
+          </a:prstGeom>
+        </p:spPr>
+      </p:pic>
+    </p:spTree>
+    <p:extLst>
+      <p:ext uri="{BB962C8B-B14F-4D97-AF65-F5344CB8AC3E}">
+        <p14:creationId xmlns:p14="http://schemas.microsoft.com/office/powerpoint/2010/main" val="452332997"/>
+      </p:ext>
+    </p:extLst>
+  </p:cSld>
+  <p:clrMapOvr>
+    <a:masterClrMapping/>
+  </p:clrMapOvr>
+</p:sld>
+</file>
+
 <file path=ppt/slides/slide5.xml><?xml version="1.0" encoding="utf-8"?>
 <p:sld xmlns:a="http://schemas.openxmlformats.org/drawingml/2006/main" xmlns:r="http://schemas.openxmlformats.org/officeDocument/2006/relationships" xmlns:p="http://schemas.openxmlformats.org/presentationml/2006/main">
   <p:cSld>
@@ -10513,7 +10618,7 @@
           <p:cNvPr id="2" name="Title 1">
             <a:extLst>
               <a:ext uri="{FF2B5EF4-FFF2-40B4-BE49-F238E27FC236}">
-                <a16:creationId xmlns:a16="http://schemas.microsoft.com/office/drawing/2014/main" id="{E278DC42-4966-5A20-922C-B2E22A6112EF}"/>
+                <a16:creationId xmlns:a16="http://schemas.microsoft.com/office/drawing/2014/main" id="{A508911C-3D40-C4E9-E6E3-5B1075C30B77}"/>
               </a:ext>
             </a:extLst>
           </p:cNvPr>
@@ -10531,7 +10636,7 @@
           <a:p>
             <a:r>
               <a:rPr lang="en-US" dirty="0"/>
-              <a:t>Pi connections</a:t>
+              <a:t>SQL Database</a:t>
             </a:r>
           </a:p>
         </p:txBody>
@@ -10541,7 +10646,7 @@
           <p:cNvPr id="3" name="Content Placeholder 2">
             <a:extLst>
               <a:ext uri="{FF2B5EF4-FFF2-40B4-BE49-F238E27FC236}">
-                <a16:creationId xmlns:a16="http://schemas.microsoft.com/office/drawing/2014/main" id="{5F1DF18B-D939-CD73-24AF-E65C109F1F98}"/>
+                <a16:creationId xmlns:a16="http://schemas.microsoft.com/office/drawing/2014/main" id="{3B4A8072-C0C1-5B5E-8907-92B9AFA2DBF9}"/>
               </a:ext>
             </a:extLst>
           </p:cNvPr>
@@ -10552,57 +10657,85 @@
             <p:ph idx="1"/>
           </p:nvPr>
         </p:nvSpPr>
-        <p:spPr/>
-        <p:txBody>
-          <a:bodyPr/>
+        <p:spPr>
+          <a:xfrm>
+            <a:off x="913795" y="2096064"/>
+            <a:ext cx="10353762" cy="3999936"/>
+          </a:xfrm>
+        </p:spPr>
+        <p:txBody>
+          <a:bodyPr>
+            <a:normAutofit fontScale="92500" lnSpcReduction="10000"/>
+          </a:bodyPr>
           <a:lstStyle/>
           <a:p>
             <a:r>
               <a:rPr lang="en-US" dirty="0"/>
-              <a:t>Raspberry Pi</a:t>
-            </a:r>
-          </a:p>
-          <a:p>
-            <a:pPr marL="457200" indent="-457200">
-              <a:buFont typeface="+mj-lt"/>
-              <a:buAutoNum type="arabicParenR"/>
-            </a:pPr>
+              <a:t>Inventory 			</a:t>
+            </a:r>
+          </a:p>
+          <a:p>
+            <a:pPr lvl="1"/>
             <a:r>
               <a:rPr lang="en-US" dirty="0"/>
-              <a:t>SQL Database</a:t>
-            </a:r>
-          </a:p>
-          <a:p>
-            <a:pPr marL="457200" indent="-457200">
-              <a:buFont typeface="+mj-lt"/>
-              <a:buAutoNum type="arabicParenR"/>
-            </a:pPr>
+              <a:t>Loaded</a:t>
+            </a:r>
+          </a:p>
+          <a:p>
+            <a:pPr lvl="1"/>
             <a:r>
               <a:rPr lang="en-US" dirty="0"/>
-              <a:t>Touchscreen</a:t>
-            </a:r>
-          </a:p>
-          <a:p>
-            <a:pPr marL="457200" indent="-457200">
-              <a:buFont typeface="+mj-lt"/>
-              <a:buAutoNum type="arabicParenR"/>
-            </a:pPr>
+              <a:t>Unloaded</a:t>
+            </a:r>
+          </a:p>
+          <a:p>
             <a:r>
               <a:rPr lang="en-US" dirty="0"/>
-              <a:t>Eagle Card Reader</a:t>
-            </a:r>
-          </a:p>
-          <a:p>
-            <a:pPr marL="457200" indent="-457200">
-              <a:buFont typeface="+mj-lt"/>
-              <a:buAutoNum type="arabicParenR"/>
-            </a:pPr>
+              <a:t>Student Information</a:t>
+            </a:r>
+          </a:p>
+          <a:p>
+            <a:pPr lvl="1"/>
+            <a:r>
+              <a:rPr lang="en-US" dirty="0"/>
+              <a:t>T#</a:t>
+            </a:r>
+          </a:p>
+          <a:p>
+            <a:pPr lvl="1"/>
+            <a:r>
+              <a:rPr lang="en-US" dirty="0"/>
+              <a:t>Name</a:t>
+            </a:r>
+          </a:p>
+          <a:p>
+            <a:pPr lvl="1"/>
+            <a:r>
+              <a:rPr lang="en-US" dirty="0"/>
+              <a:t>Email</a:t>
+            </a:r>
+          </a:p>
+          <a:p>
+            <a:pPr lvl="1"/>
+            <a:r>
+              <a:rPr lang="en-US" dirty="0"/>
+              <a:t>Course &amp; Board#</a:t>
+            </a:r>
+          </a:p>
+          <a:p>
             <a:r>
               <a:rPr lang="en-US" dirty="0"/>
               <a:t>Ethernet</a:t>
             </a:r>
           </a:p>
           <a:p>
+            <a:pPr lvl="1"/>
+            <a:r>
+              <a:rPr lang="en-US" dirty="0"/>
+              <a:t>CSV File</a:t>
+            </a:r>
+          </a:p>
+          <a:p>
             <a:pPr marL="0" indent="0">
               <a:buNone/>
             </a:pPr>
@@ -10610,10 +10743,40 @@
           </a:p>
         </p:txBody>
       </p:sp>
+      <p:pic>
+        <p:nvPicPr>
+          <p:cNvPr id="6" name="Picture 5">
+            <a:extLst>
+              <a:ext uri="{FF2B5EF4-FFF2-40B4-BE49-F238E27FC236}">
+                <a16:creationId xmlns:a16="http://schemas.microsoft.com/office/drawing/2014/main" id="{C5552E18-EAD2-5A88-6771-7BACCEB24C2C}"/>
+              </a:ext>
+            </a:extLst>
+          </p:cNvPr>
+          <p:cNvPicPr>
+            <a:picLocks noChangeAspect="1"/>
+          </p:cNvPicPr>
+          <p:nvPr/>
+        </p:nvPicPr>
+        <p:blipFill>
+          <a:blip r:embed="rId2"/>
+          <a:stretch>
+            <a:fillRect/>
+          </a:stretch>
+        </p:blipFill>
+        <p:spPr>
+          <a:xfrm>
+            <a:off x="6096000" y="2013084"/>
+            <a:ext cx="2980146" cy="3915836"/>
+          </a:xfrm>
+          <a:prstGeom prst="rect">
+            <a:avLst/>
+          </a:prstGeom>
+        </p:spPr>
+      </p:pic>
     </p:spTree>
     <p:extLst>
       <p:ext uri="{BB962C8B-B14F-4D97-AF65-F5344CB8AC3E}">
-        <p14:creationId xmlns:p14="http://schemas.microsoft.com/office/powerpoint/2010/main" val="452332997"/>
+        <p14:creationId xmlns:p14="http://schemas.microsoft.com/office/powerpoint/2010/main" val="506485032"/>
       </p:ext>
     </p:extLst>
   </p:cSld>
@@ -10645,7 +10808,7 @@
           <p:cNvPr id="2" name="Title 1">
             <a:extLst>
               <a:ext uri="{FF2B5EF4-FFF2-40B4-BE49-F238E27FC236}">
-                <a16:creationId xmlns:a16="http://schemas.microsoft.com/office/drawing/2014/main" id="{A508911C-3D40-C4E9-E6E3-5B1075C30B77}"/>
+                <a16:creationId xmlns:a16="http://schemas.microsoft.com/office/drawing/2014/main" id="{15CD0611-F046-776D-289F-609850C65B3E}"/>
               </a:ext>
             </a:extLst>
           </p:cNvPr>
@@ -10663,7 +10826,7 @@
           <a:p>
             <a:r>
               <a:rPr lang="en-US" dirty="0"/>
-              <a:t>SQL Database</a:t>
+              <a:t>Constraints</a:t>
             </a:r>
           </a:p>
         </p:txBody>
@@ -10673,7 +10836,7 @@
           <p:cNvPr id="3" name="Content Placeholder 2">
             <a:extLst>
               <a:ext uri="{FF2B5EF4-FFF2-40B4-BE49-F238E27FC236}">
-                <a16:creationId xmlns:a16="http://schemas.microsoft.com/office/drawing/2014/main" id="{3B4A8072-C0C1-5B5E-8907-92B9AFA2DBF9}"/>
+                <a16:creationId xmlns:a16="http://schemas.microsoft.com/office/drawing/2014/main" id="{404D238F-6F79-6FF6-D385-D038F260C0B3}"/>
               </a:ext>
             </a:extLst>
           </p:cNvPr>
@@ -10681,129 +10844,188 @@
             <a:spLocks noGrp="1"/>
           </p:cNvSpPr>
           <p:nvPr>
-            <p:ph idx="1"/>
-          </p:nvPr>
-        </p:nvSpPr>
-        <p:spPr>
-          <a:xfrm>
-            <a:off x="913795" y="2096064"/>
-            <a:ext cx="10353762" cy="3999936"/>
-          </a:xfrm>
-        </p:spPr>
+            <p:ph type="body" idx="1"/>
+          </p:nvPr>
+        </p:nvSpPr>
+        <p:spPr/>
         <p:txBody>
           <a:bodyPr>
-            <a:normAutofit fontScale="92500" lnSpcReduction="10000"/>
+            <a:normAutofit/>
           </a:bodyPr>
           <a:lstStyle/>
           <a:p>
+            <a:pPr marL="0" indent="0">
+              <a:buNone/>
+            </a:pPr>
             <a:r>
               <a:rPr lang="en-US" dirty="0"/>
-              <a:t>Inventory 			</a:t>
-            </a:r>
-          </a:p>
-          <a:p>
-            <a:pPr lvl="1"/>
-            <a:r>
-              <a:rPr lang="en-US" dirty="0"/>
-              <a:t>Loaded</a:t>
-            </a:r>
-          </a:p>
-          <a:p>
-            <a:pPr lvl="1"/>
-            <a:r>
-              <a:rPr lang="en-US" dirty="0"/>
-              <a:t>Unloaded</a:t>
-            </a:r>
-          </a:p>
-          <a:p>
-            <a:r>
-              <a:rPr lang="en-US" dirty="0"/>
-              <a:t>Student Information</a:t>
-            </a:r>
-          </a:p>
-          <a:p>
-            <a:pPr lvl="1"/>
-            <a:r>
-              <a:rPr lang="en-US" dirty="0"/>
-              <a:t>T#</a:t>
-            </a:r>
-          </a:p>
-          <a:p>
-            <a:pPr lvl="1"/>
-            <a:r>
-              <a:rPr lang="en-US" dirty="0"/>
-              <a:t>Name</a:t>
-            </a:r>
-          </a:p>
-          <a:p>
-            <a:pPr lvl="1"/>
-            <a:r>
-              <a:rPr lang="en-US" dirty="0"/>
-              <a:t>Email</a:t>
-            </a:r>
-          </a:p>
-          <a:p>
-            <a:pPr lvl="1"/>
-            <a:r>
-              <a:rPr lang="en-US" dirty="0"/>
-              <a:t>Course &amp; Board#</a:t>
-            </a:r>
-          </a:p>
-          <a:p>
-            <a:r>
-              <a:rPr lang="en-US" dirty="0"/>
-              <a:t>Ethernet</a:t>
-            </a:r>
-          </a:p>
-          <a:p>
-            <a:pPr lvl="1"/>
-            <a:r>
-              <a:rPr lang="en-US" dirty="0"/>
-              <a:t>CSV File</a:t>
-            </a:r>
-          </a:p>
-          <a:p>
-            <a:pPr marL="0" indent="0">
-              <a:buNone/>
-            </a:pPr>
-            <a:endParaRPr lang="en-US" dirty="0"/>
-          </a:p>
-        </p:txBody>
-      </p:sp>
-      <p:pic>
-        <p:nvPicPr>
-          <p:cNvPr id="5" name="Picture 4">
+              <a:t>USB</a:t>
+            </a:r>
+          </a:p>
+        </p:txBody>
+      </p:sp>
+      <p:sp>
+        <p:nvSpPr>
+          <p:cNvPr id="7" name="Text Placeholder 6">
             <a:extLst>
               <a:ext uri="{FF2B5EF4-FFF2-40B4-BE49-F238E27FC236}">
-                <a16:creationId xmlns:a16="http://schemas.microsoft.com/office/drawing/2014/main" id="{1EC88D43-0F1E-ED16-1DFB-244B6481011D}"/>
+                <a16:creationId xmlns:a16="http://schemas.microsoft.com/office/drawing/2014/main" id="{514B24FE-CD66-E752-9DCF-CF14A31E1E7D}"/>
               </a:ext>
             </a:extLst>
           </p:cNvPr>
-          <p:cNvPicPr>
-            <a:picLocks noChangeAspect="1"/>
-          </p:cNvPicPr>
-          <p:nvPr/>
-        </p:nvPicPr>
-        <p:blipFill>
-          <a:blip r:embed="rId2"/>
-          <a:stretch>
-            <a:fillRect/>
-          </a:stretch>
-        </p:blipFill>
-        <p:spPr>
-          <a:xfrm>
-            <a:off x="3993715" y="2313836"/>
-            <a:ext cx="7106266" cy="3046580"/>
-          </a:xfrm>
-          <a:prstGeom prst="rect">
-            <a:avLst/>
-          </a:prstGeom>
-        </p:spPr>
-      </p:pic>
+          <p:cNvSpPr>
+            <a:spLocks noGrp="1"/>
+          </p:cNvSpPr>
+          <p:nvPr>
+            <p:ph type="body" sz="half" idx="15"/>
+          </p:nvPr>
+        </p:nvSpPr>
+        <p:spPr/>
+        <p:txBody>
+          <a:bodyPr>
+            <a:normAutofit/>
+          </a:bodyPr>
+          <a:lstStyle/>
+          <a:p>
+            <a:pPr marL="285750" indent="-285750">
+              <a:buFont typeface="Arial" panose="020B0604020202020204" pitchFamily="34" charset="0"/>
+              <a:buChar char="•"/>
+            </a:pPr>
+            <a:r>
+              <a:rPr lang="en-US" sz="2000" dirty="0"/>
+              <a:t>Be able to automatically transfer data to the faculty’s thumb drive when inserted into the machine</a:t>
+            </a:r>
+          </a:p>
+        </p:txBody>
+      </p:sp>
+      <p:sp>
+        <p:nvSpPr>
+          <p:cNvPr id="5" name="Text Placeholder 4">
+            <a:extLst>
+              <a:ext uri="{FF2B5EF4-FFF2-40B4-BE49-F238E27FC236}">
+                <a16:creationId xmlns:a16="http://schemas.microsoft.com/office/drawing/2014/main" id="{7EAC117F-BE26-57E8-78E4-C7C040B79097}"/>
+              </a:ext>
+            </a:extLst>
+          </p:cNvPr>
+          <p:cNvSpPr>
+            <a:spLocks noGrp="1"/>
+          </p:cNvSpPr>
+          <p:nvPr>
+            <p:ph type="body" sz="quarter" idx="3"/>
+          </p:nvPr>
+        </p:nvSpPr>
+        <p:spPr/>
+        <p:txBody>
+          <a:bodyPr/>
+          <a:lstStyle/>
+          <a:p>
+            <a:r>
+              <a:rPr lang="en-US" dirty="0"/>
+              <a:t>Database</a:t>
+            </a:r>
+          </a:p>
+        </p:txBody>
+      </p:sp>
+      <p:sp>
+        <p:nvSpPr>
+          <p:cNvPr id="8" name="Text Placeholder 7">
+            <a:extLst>
+              <a:ext uri="{FF2B5EF4-FFF2-40B4-BE49-F238E27FC236}">
+                <a16:creationId xmlns:a16="http://schemas.microsoft.com/office/drawing/2014/main" id="{DBE45352-668A-C405-B65B-0321C1E0E71A}"/>
+              </a:ext>
+            </a:extLst>
+          </p:cNvPr>
+          <p:cNvSpPr>
+            <a:spLocks noGrp="1"/>
+          </p:cNvSpPr>
+          <p:nvPr>
+            <p:ph type="body" sz="half" idx="16"/>
+          </p:nvPr>
+        </p:nvSpPr>
+        <p:spPr/>
+        <p:txBody>
+          <a:bodyPr>
+            <a:normAutofit/>
+          </a:bodyPr>
+          <a:lstStyle/>
+          <a:p>
+            <a:pPr marL="285750" indent="-285750">
+              <a:buFont typeface="Arial" panose="020B0604020202020204" pitchFamily="34" charset="0"/>
+              <a:buChar char="•"/>
+            </a:pPr>
+            <a:r>
+              <a:rPr lang="en-US" sz="2000" dirty="0"/>
+              <a:t>Have a created Schema available and have a server to contain the student data and Schema itself</a:t>
+            </a:r>
+          </a:p>
+        </p:txBody>
+      </p:sp>
+      <p:sp>
+        <p:nvSpPr>
+          <p:cNvPr id="6" name="Text Placeholder 5">
+            <a:extLst>
+              <a:ext uri="{FF2B5EF4-FFF2-40B4-BE49-F238E27FC236}">
+                <a16:creationId xmlns:a16="http://schemas.microsoft.com/office/drawing/2014/main" id="{5F568B08-7E3F-58CB-9888-A436A4A36F74}"/>
+              </a:ext>
+            </a:extLst>
+          </p:cNvPr>
+          <p:cNvSpPr>
+            <a:spLocks noGrp="1"/>
+          </p:cNvSpPr>
+          <p:nvPr>
+            <p:ph type="body" sz="quarter" idx="13"/>
+          </p:nvPr>
+        </p:nvSpPr>
+        <p:spPr/>
+        <p:txBody>
+          <a:bodyPr/>
+          <a:lstStyle/>
+          <a:p>
+            <a:r>
+              <a:rPr lang="en-US" dirty="0"/>
+              <a:t>Card Scanner</a:t>
+            </a:r>
+          </a:p>
+        </p:txBody>
+      </p:sp>
+      <p:sp>
+        <p:nvSpPr>
+          <p:cNvPr id="9" name="Text Placeholder 8">
+            <a:extLst>
+              <a:ext uri="{FF2B5EF4-FFF2-40B4-BE49-F238E27FC236}">
+                <a16:creationId xmlns:a16="http://schemas.microsoft.com/office/drawing/2014/main" id="{395749AB-16ED-8660-6EDC-55CA1F6A34BB}"/>
+              </a:ext>
+            </a:extLst>
+          </p:cNvPr>
+          <p:cNvSpPr>
+            <a:spLocks noGrp="1"/>
+          </p:cNvSpPr>
+          <p:nvPr>
+            <p:ph type="body" sz="half" idx="17"/>
+          </p:nvPr>
+        </p:nvSpPr>
+        <p:spPr/>
+        <p:txBody>
+          <a:bodyPr>
+            <a:normAutofit/>
+          </a:bodyPr>
+          <a:lstStyle/>
+          <a:p>
+            <a:pPr marL="285750" indent="-285750">
+              <a:buFont typeface="Arial" panose="020B0604020202020204" pitchFamily="34" charset="0"/>
+              <a:buChar char="•"/>
+            </a:pPr>
+            <a:r>
+              <a:rPr lang="en-US" sz="2000" dirty="0"/>
+              <a:t>Be able to read data from Eagle Cards and store the identifier in the database for faculty use</a:t>
+            </a:r>
+          </a:p>
+        </p:txBody>
+      </p:sp>
     </p:spTree>
     <p:extLst>
       <p:ext uri="{BB962C8B-B14F-4D97-AF65-F5344CB8AC3E}">
-        <p14:creationId xmlns:p14="http://schemas.microsoft.com/office/powerpoint/2010/main" val="506485032"/>
+        <p14:creationId xmlns:p14="http://schemas.microsoft.com/office/powerpoint/2010/main" val="135564561"/>
       </p:ext>
     </p:extLst>
   </p:cSld>
@@ -10975,8 +11197,8 @@
         </p:blipFill>
         <p:spPr>
           <a:xfrm>
-            <a:off x="5917129" y="1935921"/>
-            <a:ext cx="3842737" cy="3313777"/>
+            <a:off x="5884618" y="1935921"/>
+            <a:ext cx="3363188" cy="3695136"/>
           </a:xfrm>
           <a:prstGeom prst="rect">
             <a:avLst/>
